--- a/Release 2/MockIp_Visuallization 1.pptx
+++ b/Release 2/MockIp_Visuallization 1.pptx
@@ -7,8 +7,7 @@
   <p:sldIdLst>
     <p:sldId id="256" r:id="rId2"/>
     <p:sldId id="262" r:id="rId3"/>
-    <p:sldId id="261" r:id="rId4"/>
-    <p:sldId id="263" r:id="rId5"/>
+    <p:sldId id="263" r:id="rId4"/>
   </p:sldIdLst>
   <p:sldSz cx="12192000" cy="6858000"/>
   <p:notesSz cx="6858000" cy="9144000"/>
@@ -2960,7 +2959,7 @@
           <a:p>
             <a:fld id="{F8F7E552-F606-DF4A-8497-FB0354DAB649}" type="datetimeFigureOut">
               <a:rPr lang="en-US" smtClean="0"/>
-              <a:t>3/26/2025</a:t>
+              <a:t>4/4/2025</a:t>
             </a:fld>
             <a:endParaRPr lang="en-US"/>
           </a:p>
@@ -3158,7 +3157,7 @@
           <a:p>
             <a:fld id="{F8F7E552-F606-DF4A-8497-FB0354DAB649}" type="datetimeFigureOut">
               <a:rPr lang="en-US" smtClean="0"/>
-              <a:t>3/26/2025</a:t>
+              <a:t>4/4/2025</a:t>
             </a:fld>
             <a:endParaRPr lang="en-US"/>
           </a:p>
@@ -3366,7 +3365,7 @@
           <a:p>
             <a:fld id="{F8F7E552-F606-DF4A-8497-FB0354DAB649}" type="datetimeFigureOut">
               <a:rPr lang="en-US" smtClean="0"/>
-              <a:t>3/26/2025</a:t>
+              <a:t>4/4/2025</a:t>
             </a:fld>
             <a:endParaRPr lang="en-US"/>
           </a:p>
@@ -3564,7 +3563,7 @@
           <a:p>
             <a:fld id="{F8F7E552-F606-DF4A-8497-FB0354DAB649}" type="datetimeFigureOut">
               <a:rPr lang="en-US" smtClean="0"/>
-              <a:t>3/26/2025</a:t>
+              <a:t>4/4/2025</a:t>
             </a:fld>
             <a:endParaRPr lang="en-US"/>
           </a:p>
@@ -3839,7 +3838,7 @@
           <a:p>
             <a:fld id="{F8F7E552-F606-DF4A-8497-FB0354DAB649}" type="datetimeFigureOut">
               <a:rPr lang="en-US" smtClean="0"/>
-              <a:t>3/26/2025</a:t>
+              <a:t>4/4/2025</a:t>
             </a:fld>
             <a:endParaRPr lang="en-US"/>
           </a:p>
@@ -4104,7 +4103,7 @@
           <a:p>
             <a:fld id="{F8F7E552-F606-DF4A-8497-FB0354DAB649}" type="datetimeFigureOut">
               <a:rPr lang="en-US" smtClean="0"/>
-              <a:t>3/26/2025</a:t>
+              <a:t>4/4/2025</a:t>
             </a:fld>
             <a:endParaRPr lang="en-US"/>
           </a:p>
@@ -4516,7 +4515,7 @@
           <a:p>
             <a:fld id="{F8F7E552-F606-DF4A-8497-FB0354DAB649}" type="datetimeFigureOut">
               <a:rPr lang="en-US" smtClean="0"/>
-              <a:t>3/26/2025</a:t>
+              <a:t>4/4/2025</a:t>
             </a:fld>
             <a:endParaRPr lang="en-US"/>
           </a:p>
@@ -4657,7 +4656,7 @@
           <a:p>
             <a:fld id="{F8F7E552-F606-DF4A-8497-FB0354DAB649}" type="datetimeFigureOut">
               <a:rPr lang="en-US" smtClean="0"/>
-              <a:t>3/26/2025</a:t>
+              <a:t>4/4/2025</a:t>
             </a:fld>
             <a:endParaRPr lang="en-US"/>
           </a:p>
@@ -4770,7 +4769,7 @@
           <a:p>
             <a:fld id="{F8F7E552-F606-DF4A-8497-FB0354DAB649}" type="datetimeFigureOut">
               <a:rPr lang="en-US" smtClean="0"/>
-              <a:t>3/26/2025</a:t>
+              <a:t>4/4/2025</a:t>
             </a:fld>
             <a:endParaRPr lang="en-US"/>
           </a:p>
@@ -5081,7 +5080,7 @@
           <a:p>
             <a:fld id="{F8F7E552-F606-DF4A-8497-FB0354DAB649}" type="datetimeFigureOut">
               <a:rPr lang="en-US" smtClean="0"/>
-              <a:t>3/26/2025</a:t>
+              <a:t>4/4/2025</a:t>
             </a:fld>
             <a:endParaRPr lang="en-US"/>
           </a:p>
@@ -5369,7 +5368,7 @@
           <a:p>
             <a:fld id="{F8F7E552-F606-DF4A-8497-FB0354DAB649}" type="datetimeFigureOut">
               <a:rPr lang="en-US" smtClean="0"/>
-              <a:t>3/26/2025</a:t>
+              <a:t>4/4/2025</a:t>
             </a:fld>
             <a:endParaRPr lang="en-US"/>
           </a:p>
@@ -5610,7 +5609,7 @@
           <a:p>
             <a:fld id="{F8F7E552-F606-DF4A-8497-FB0354DAB649}" type="datetimeFigureOut">
               <a:rPr lang="en-US" smtClean="0"/>
-              <a:t>3/26/2025</a:t>
+              <a:t>4/4/2025</a:t>
             </a:fld>
             <a:endParaRPr lang="en-US"/>
           </a:p>
@@ -6118,7 +6117,7 @@
           <p:nvPr>
             <p:extLst>
               <p:ext uri="{D42A27DB-BD31-4B8C-83A1-F6EECF244321}">
-                <p14:modId xmlns:p14="http://schemas.microsoft.com/office/powerpoint/2010/main" val="1673401275"/>
+                <p14:modId xmlns:p14="http://schemas.microsoft.com/office/powerpoint/2010/main" val="3193010439"/>
               </p:ext>
             </p:extLst>
           </p:nvPr>
@@ -6297,10 +6296,7 @@
                     <a:lstStyle/>
                     <a:p>
                       <a:pPr algn="ctr"/>
-                      <a:r>
-                        <a:rPr lang="en-US" dirty="0"/>
-                        <a:t>Geographic</a:t>
-                      </a:r>
+                      <a:endParaRPr lang="en-US" dirty="0"/>
                     </a:p>
                   </a:txBody>
                   <a:tcPr>
@@ -6568,7 +6564,7 @@
         </p:nvSpPr>
         <p:spPr>
           <a:xfrm>
-            <a:off x="2635707" y="1334740"/>
+            <a:off x="1209243" y="1334740"/>
             <a:ext cx="1666327" cy="253916"/>
           </a:xfrm>
           <a:prstGeom prst="rect">
@@ -7343,7 +7339,7 @@
         </p:nvSpPr>
         <p:spPr>
           <a:xfrm>
-            <a:off x="4429672" y="1334740"/>
+            <a:off x="3003208" y="1334740"/>
             <a:ext cx="1666327" cy="253916"/>
           </a:xfrm>
           <a:prstGeom prst="rect">
@@ -7389,7 +7385,7 @@
         </p:nvSpPr>
         <p:spPr>
           <a:xfrm>
-            <a:off x="6302742" y="1335760"/>
+            <a:off x="4876278" y="1335760"/>
             <a:ext cx="1666327" cy="253916"/>
           </a:xfrm>
           <a:prstGeom prst="rect">
@@ -7519,7 +7515,7 @@
         </p:nvSpPr>
         <p:spPr>
           <a:xfrm>
-            <a:off x="8144119" y="1334740"/>
+            <a:off x="6717655" y="1334740"/>
             <a:ext cx="1666327" cy="253916"/>
           </a:xfrm>
           <a:prstGeom prst="rect">
@@ -7547,6 +7543,157 @@
                 <a:latin typeface="Avenir Next Condensed" panose="020B0506020202020204" pitchFamily="34" charset="0"/>
               </a:rPr>
               <a:t>State</a:t>
+            </a:r>
+          </a:p>
+        </p:txBody>
+      </p:sp>
+      <p:sp>
+        <p:nvSpPr>
+          <p:cNvPr id="7" name="Rectangle 6">
+            <a:extLst>
+              <a:ext uri="{FF2B5EF4-FFF2-40B4-BE49-F238E27FC236}">
+                <a16:creationId xmlns:a16="http://schemas.microsoft.com/office/drawing/2014/main" id="{DE654FF7-0EA1-16C3-7F31-BA266076C000}"/>
+              </a:ext>
+            </a:extLst>
+          </p:cNvPr>
+          <p:cNvSpPr/>
+          <p:nvPr/>
+        </p:nvSpPr>
+        <p:spPr>
+          <a:xfrm>
+            <a:off x="1655064" y="84908"/>
+            <a:ext cx="9134856" cy="6773092"/>
+          </a:xfrm>
+          <a:prstGeom prst="rect">
+            <a:avLst/>
+          </a:prstGeom>
+          <a:noFill/>
+          <a:ln>
+            <a:solidFill>
+              <a:srgbClr val="FF0000"/>
+            </a:solidFill>
+          </a:ln>
+        </p:spPr>
+        <p:style>
+          <a:lnRef idx="2">
+            <a:schemeClr val="accent1">
+              <a:shade val="15000"/>
+            </a:schemeClr>
+          </a:lnRef>
+          <a:fillRef idx="1">
+            <a:schemeClr val="accent1"/>
+          </a:fillRef>
+          <a:effectRef idx="0">
+            <a:schemeClr val="accent1"/>
+          </a:effectRef>
+          <a:fontRef idx="minor">
+            <a:schemeClr val="lt1"/>
+          </a:fontRef>
+        </p:style>
+        <p:txBody>
+          <a:bodyPr rtlCol="0" anchor="ctr"/>
+          <a:lstStyle/>
+          <a:p>
+            <a:pPr algn="ctr"/>
+            <a:r>
+              <a:rPr lang="en-US" sz="4000" dirty="0">
+                <a:solidFill>
+                  <a:srgbClr val="FF0000"/>
+                </a:solidFill>
+              </a:rPr>
+              <a:t>This is Good</a:t>
+            </a:r>
+          </a:p>
+        </p:txBody>
+      </p:sp>
+      <p:sp>
+        <p:nvSpPr>
+          <p:cNvPr id="8" name="TextBox 7">
+            <a:extLst>
+              <a:ext uri="{FF2B5EF4-FFF2-40B4-BE49-F238E27FC236}">
+                <a16:creationId xmlns:a16="http://schemas.microsoft.com/office/drawing/2014/main" id="{98AC4AE0-A28A-7EA0-1B76-CAD6779D97A0}"/>
+              </a:ext>
+            </a:extLst>
+          </p:cNvPr>
+          <p:cNvSpPr txBox="1"/>
+          <p:nvPr/>
+        </p:nvSpPr>
+        <p:spPr>
+          <a:xfrm>
+            <a:off x="8465420" y="1354177"/>
+            <a:ext cx="1666327" cy="253916"/>
+          </a:xfrm>
+          <a:prstGeom prst="rect">
+            <a:avLst/>
+          </a:prstGeom>
+          <a:solidFill>
+            <a:schemeClr val="bg1"/>
+          </a:solidFill>
+          <a:ln>
+            <a:solidFill>
+              <a:schemeClr val="accent1">
+                <a:shade val="15000"/>
+              </a:schemeClr>
+            </a:solidFill>
+          </a:ln>
+        </p:spPr>
+        <p:txBody>
+          <a:bodyPr wrap="square" rtlCol="0">
+            <a:spAutoFit/>
+          </a:bodyPr>
+          <a:lstStyle/>
+          <a:p>
+            <a:r>
+              <a:rPr lang="en-US" sz="1050" i="1" dirty="0">
+                <a:latin typeface="Avenir Next Condensed" panose="020B0506020202020204" pitchFamily="34" charset="0"/>
+              </a:rPr>
+              <a:t>Quarters</a:t>
+            </a:r>
+          </a:p>
+        </p:txBody>
+      </p:sp>
+      <p:sp>
+        <p:nvSpPr>
+          <p:cNvPr id="17" name="TextBox 16">
+            <a:extLst>
+              <a:ext uri="{FF2B5EF4-FFF2-40B4-BE49-F238E27FC236}">
+                <a16:creationId xmlns:a16="http://schemas.microsoft.com/office/drawing/2014/main" id="{3990482D-C34E-524C-7575-9E6DFCC4FB48}"/>
+              </a:ext>
+            </a:extLst>
+          </p:cNvPr>
+          <p:cNvSpPr txBox="1"/>
+          <p:nvPr/>
+        </p:nvSpPr>
+        <p:spPr>
+          <a:xfrm>
+            <a:off x="10195409" y="1331282"/>
+            <a:ext cx="1666327" cy="253916"/>
+          </a:xfrm>
+          <a:prstGeom prst="rect">
+            <a:avLst/>
+          </a:prstGeom>
+          <a:solidFill>
+            <a:schemeClr val="bg1"/>
+          </a:solidFill>
+          <a:ln>
+            <a:solidFill>
+              <a:schemeClr val="accent1">
+                <a:shade val="15000"/>
+              </a:schemeClr>
+            </a:solidFill>
+          </a:ln>
+        </p:spPr>
+        <p:txBody>
+          <a:bodyPr wrap="square" rtlCol="0">
+            <a:spAutoFit/>
+          </a:bodyPr>
+          <a:lstStyle/>
+          <a:p>
+            <a:r>
+              <a:rPr lang="en-US" sz="1050" i="1" dirty="0">
+                <a:latin typeface="Avenir Next Condensed" panose="020B0506020202020204" pitchFamily="34" charset="0"/>
+              </a:rPr>
+              <a:t>Years</a:t>
             </a:r>
           </a:p>
         </p:txBody>
@@ -7678,7 +7825,7 @@
           <p:nvPr>
             <p:extLst>
               <p:ext uri="{D42A27DB-BD31-4B8C-83A1-F6EECF244321}">
-                <p14:modId xmlns:p14="http://schemas.microsoft.com/office/powerpoint/2010/main" val="1962091305"/>
+                <p14:modId xmlns:p14="http://schemas.microsoft.com/office/powerpoint/2010/main" val="820643830"/>
               </p:ext>
             </p:extLst>
           </p:nvPr>
@@ -7854,10 +8001,7 @@
                     <a:lstStyle/>
                     <a:p>
                       <a:pPr algn="ctr"/>
-                      <a:r>
-                        <a:rPr lang="en-US" dirty="0"/>
-                        <a:t>Geographic</a:t>
-                      </a:r>
+                      <a:endParaRPr lang="en-US" dirty="0"/>
                     </a:p>
                   </a:txBody>
                   <a:tcPr>
@@ -8172,13 +8316,13 @@
           <p:nvPr>
             <p:extLst>
               <p:ext uri="{D42A27DB-BD31-4B8C-83A1-F6EECF244321}">
-                <p14:modId xmlns:p14="http://schemas.microsoft.com/office/powerpoint/2010/main" val="3389561053"/>
+                <p14:modId xmlns:p14="http://schemas.microsoft.com/office/powerpoint/2010/main" val="484134926"/>
               </p:ext>
             </p:extLst>
           </p:nvPr>
         </p:nvGraphicFramePr>
         <p:xfrm>
-          <a:off x="2271726" y="1894030"/>
+          <a:off x="2271726" y="1903174"/>
           <a:ext cx="7538720" cy="1673326"/>
         </p:xfrm>
         <a:graphic>
@@ -9091,12 +9235,189 @@
           </a:extLst>
         </p:spPr>
       </p:pic>
+      <p:sp>
+        <p:nvSpPr>
+          <p:cNvPr id="9" name="Rectangle 8">
+            <a:extLst>
+              <a:ext uri="{FF2B5EF4-FFF2-40B4-BE49-F238E27FC236}">
+                <a16:creationId xmlns:a16="http://schemas.microsoft.com/office/drawing/2014/main" id="{BAEA890B-DEEF-6483-1C2C-CC6F8581F1F4}"/>
+              </a:ext>
+            </a:extLst>
+          </p:cNvPr>
+          <p:cNvSpPr/>
+          <p:nvPr/>
+        </p:nvSpPr>
+        <p:spPr>
+          <a:xfrm>
+            <a:off x="2009169" y="3685086"/>
+            <a:ext cx="4475258" cy="3127248"/>
+          </a:xfrm>
+          <a:prstGeom prst="rect">
+            <a:avLst/>
+          </a:prstGeom>
+          <a:noFill/>
+          <a:ln>
+            <a:solidFill>
+              <a:srgbClr val="FF0000"/>
+            </a:solidFill>
+          </a:ln>
+        </p:spPr>
+        <p:style>
+          <a:lnRef idx="2">
+            <a:schemeClr val="accent1">
+              <a:shade val="15000"/>
+            </a:schemeClr>
+          </a:lnRef>
+          <a:fillRef idx="1">
+            <a:schemeClr val="accent1"/>
+          </a:fillRef>
+          <a:effectRef idx="0">
+            <a:schemeClr val="accent1"/>
+          </a:effectRef>
+          <a:fontRef idx="minor">
+            <a:schemeClr val="lt1"/>
+          </a:fontRef>
+        </p:style>
+        <p:txBody>
+          <a:bodyPr rtlCol="0" anchor="ctr"/>
+          <a:lstStyle/>
+          <a:p>
+            <a:pPr algn="ctr"/>
+            <a:r>
+              <a:rPr lang="en-US" sz="4000" dirty="0">
+                <a:solidFill>
+                  <a:srgbClr val="FF0000"/>
+                </a:solidFill>
+              </a:rPr>
+              <a:t>Change it based on weights instead of order.</a:t>
+            </a:r>
+          </a:p>
+        </p:txBody>
+      </p:sp>
+      <p:sp>
+        <p:nvSpPr>
+          <p:cNvPr id="10" name="Rectangle 9">
+            <a:extLst>
+              <a:ext uri="{FF2B5EF4-FFF2-40B4-BE49-F238E27FC236}">
+                <a16:creationId xmlns:a16="http://schemas.microsoft.com/office/drawing/2014/main" id="{30B5BC93-3A6B-29A9-F00D-0AACBF344E98}"/>
+              </a:ext>
+            </a:extLst>
+          </p:cNvPr>
+          <p:cNvSpPr/>
+          <p:nvPr/>
+        </p:nvSpPr>
+        <p:spPr>
+          <a:xfrm>
+            <a:off x="2071973" y="1828306"/>
+            <a:ext cx="3908203" cy="1763620"/>
+          </a:xfrm>
+          <a:prstGeom prst="rect">
+            <a:avLst/>
+          </a:prstGeom>
+          <a:noFill/>
+          <a:ln>
+            <a:solidFill>
+              <a:srgbClr val="FF0000"/>
+            </a:solidFill>
+          </a:ln>
+        </p:spPr>
+        <p:style>
+          <a:lnRef idx="2">
+            <a:schemeClr val="accent1">
+              <a:shade val="15000"/>
+            </a:schemeClr>
+          </a:lnRef>
+          <a:fillRef idx="1">
+            <a:schemeClr val="accent1"/>
+          </a:fillRef>
+          <a:effectRef idx="0">
+            <a:schemeClr val="accent1"/>
+          </a:effectRef>
+          <a:fontRef idx="minor">
+            <a:schemeClr val="lt1"/>
+          </a:fontRef>
+        </p:style>
+        <p:txBody>
+          <a:bodyPr rtlCol="0" anchor="ctr"/>
+          <a:lstStyle/>
+          <a:p>
+            <a:pPr algn="ctr"/>
+            <a:r>
+              <a:rPr lang="en-US" sz="4000" dirty="0">
+                <a:solidFill>
+                  <a:srgbClr val="FF0000"/>
+                </a:solidFill>
+              </a:rPr>
+              <a:t>Average numbers of all metrics</a:t>
+            </a:r>
+          </a:p>
+        </p:txBody>
+      </p:sp>
+      <p:sp>
+        <p:nvSpPr>
+          <p:cNvPr id="13" name="Rectangle 12">
+            <a:extLst>
+              <a:ext uri="{FF2B5EF4-FFF2-40B4-BE49-F238E27FC236}">
+                <a16:creationId xmlns:a16="http://schemas.microsoft.com/office/drawing/2014/main" id="{34BE0BFA-1600-A53D-BFCE-2D5A2BB94BDB}"/>
+              </a:ext>
+            </a:extLst>
+          </p:cNvPr>
+          <p:cNvSpPr/>
+          <p:nvPr/>
+        </p:nvSpPr>
+        <p:spPr>
+          <a:xfrm>
+            <a:off x="6101996" y="2250864"/>
+            <a:ext cx="3908203" cy="1763620"/>
+          </a:xfrm>
+          <a:prstGeom prst="rect">
+            <a:avLst/>
+          </a:prstGeom>
+          <a:noFill/>
+          <a:ln>
+            <a:solidFill>
+              <a:srgbClr val="FF0000"/>
+            </a:solidFill>
+          </a:ln>
+        </p:spPr>
+        <p:style>
+          <a:lnRef idx="2">
+            <a:schemeClr val="accent1">
+              <a:shade val="15000"/>
+            </a:schemeClr>
+          </a:lnRef>
+          <a:fillRef idx="1">
+            <a:schemeClr val="accent1"/>
+          </a:fillRef>
+          <a:effectRef idx="0">
+            <a:schemeClr val="accent1"/>
+          </a:effectRef>
+          <a:fontRef idx="minor">
+            <a:schemeClr val="lt1"/>
+          </a:fontRef>
+        </p:style>
+        <p:txBody>
+          <a:bodyPr rtlCol="0" anchor="ctr"/>
+          <a:lstStyle/>
+          <a:p>
+            <a:pPr algn="ctr"/>
+            <a:r>
+              <a:rPr lang="en-US" sz="4000" dirty="0">
+                <a:solidFill>
+                  <a:srgbClr val="FF0000"/>
+                </a:solidFill>
+              </a:rPr>
+              <a:t>Average numbers of all Metrics but specific tiers</a:t>
+            </a:r>
+          </a:p>
+        </p:txBody>
+      </p:sp>
       <p:pic>
         <p:nvPicPr>
-          <p:cNvPr id="17" name="Picture 8">
-            <a:extLst>
-              <a:ext uri="{FF2B5EF4-FFF2-40B4-BE49-F238E27FC236}">
-                <a16:creationId xmlns:a16="http://schemas.microsoft.com/office/drawing/2014/main" id="{AA763F43-F344-1FBF-8675-7F4751FBB830}"/>
+          <p:cNvPr id="18" name="Picture 2">
+            <a:extLst>
+              <a:ext uri="{FF2B5EF4-FFF2-40B4-BE49-F238E27FC236}">
+                <a16:creationId xmlns:a16="http://schemas.microsoft.com/office/drawing/2014/main" id="{9FD2E4BE-8108-00A5-A01E-036882E80F61}"/>
               </a:ext>
             </a:extLst>
           </p:cNvPr>
@@ -9120,8 +9441,8 @@
         </p:blipFill>
         <p:spPr bwMode="auto">
           <a:xfrm>
-            <a:off x="6509163" y="3867617"/>
-            <a:ext cx="3357630" cy="2390710"/>
+            <a:off x="6772175" y="3760270"/>
+            <a:ext cx="3765641" cy="1879635"/>
           </a:xfrm>
           <a:prstGeom prst="rect">
             <a:avLst/>
@@ -9138,6 +9459,171 @@
           </a:extLst>
         </p:spPr>
       </p:pic>
+      <p:pic>
+        <p:nvPicPr>
+          <p:cNvPr id="19" name="Picture 2">
+            <a:extLst>
+              <a:ext uri="{FF2B5EF4-FFF2-40B4-BE49-F238E27FC236}">
+                <a16:creationId xmlns:a16="http://schemas.microsoft.com/office/drawing/2014/main" id="{1D6D4619-0D75-6B2D-E5DA-3713FBA45724}"/>
+              </a:ext>
+            </a:extLst>
+          </p:cNvPr>
+          <p:cNvPicPr>
+            <a:picLocks noChangeAspect="1" noChangeArrowheads="1"/>
+          </p:cNvPicPr>
+          <p:nvPr/>
+        </p:nvPicPr>
+        <p:blipFill>
+          <a:blip r:embed="rId9">
+            <a:extLst>
+              <a:ext uri="{28A0092B-C50C-407E-A947-70E740481C1C}">
+                <a14:useLocalDpi xmlns:a14="http://schemas.microsoft.com/office/drawing/2010/main" val="0"/>
+              </a:ext>
+            </a:extLst>
+          </a:blip>
+          <a:srcRect/>
+          <a:stretch>
+            <a:fillRect/>
+          </a:stretch>
+        </p:blipFill>
+        <p:spPr bwMode="auto">
+          <a:xfrm>
+            <a:off x="6776609" y="5073665"/>
+            <a:ext cx="3762328" cy="1866925"/>
+          </a:xfrm>
+          <a:prstGeom prst="rect">
+            <a:avLst/>
+          </a:prstGeom>
+          <a:noFill/>
+          <a:extLst>
+            <a:ext uri="{909E8E84-426E-40DD-AFC4-6F175D3DCCD1}">
+              <a14:hiddenFill xmlns:a14="http://schemas.microsoft.com/office/drawing/2010/main">
+                <a:solidFill>
+                  <a:srgbClr val="FFFFFF"/>
+                </a:solidFill>
+              </a14:hiddenFill>
+            </a:ext>
+          </a:extLst>
+        </p:spPr>
+      </p:pic>
+      <p:sp>
+        <p:nvSpPr>
+          <p:cNvPr id="20" name="Rectangle 19">
+            <a:extLst>
+              <a:ext uri="{FF2B5EF4-FFF2-40B4-BE49-F238E27FC236}">
+                <a16:creationId xmlns:a16="http://schemas.microsoft.com/office/drawing/2014/main" id="{45727CE1-A675-FF9C-34F9-7AD4ED6D1487}"/>
+              </a:ext>
+            </a:extLst>
+          </p:cNvPr>
+          <p:cNvSpPr/>
+          <p:nvPr/>
+        </p:nvSpPr>
+        <p:spPr>
+          <a:xfrm>
+            <a:off x="6067518" y="1566126"/>
+            <a:ext cx="3908203" cy="555541"/>
+          </a:xfrm>
+          <a:prstGeom prst="rect">
+            <a:avLst/>
+          </a:prstGeom>
+          <a:noFill/>
+          <a:ln>
+            <a:solidFill>
+              <a:srgbClr val="FF0000"/>
+            </a:solidFill>
+          </a:ln>
+        </p:spPr>
+        <p:style>
+          <a:lnRef idx="2">
+            <a:schemeClr val="accent1">
+              <a:shade val="15000"/>
+            </a:schemeClr>
+          </a:lnRef>
+          <a:fillRef idx="1">
+            <a:schemeClr val="accent1"/>
+          </a:fillRef>
+          <a:effectRef idx="0">
+            <a:schemeClr val="accent1"/>
+          </a:effectRef>
+          <a:fontRef idx="minor">
+            <a:schemeClr val="lt1"/>
+          </a:fontRef>
+        </p:style>
+        <p:txBody>
+          <a:bodyPr rtlCol="0" anchor="ctr"/>
+          <a:lstStyle/>
+          <a:p>
+            <a:pPr algn="ctr"/>
+            <a:r>
+              <a:rPr lang="en-US" sz="4000" dirty="0">
+                <a:solidFill>
+                  <a:srgbClr val="FF0000"/>
+                </a:solidFill>
+              </a:rPr>
+              <a:t>Add titles</a:t>
+            </a:r>
+          </a:p>
+        </p:txBody>
+      </p:sp>
+      <p:sp>
+        <p:nvSpPr>
+          <p:cNvPr id="21" name="Rectangle 20">
+            <a:extLst>
+              <a:ext uri="{FF2B5EF4-FFF2-40B4-BE49-F238E27FC236}">
+                <a16:creationId xmlns:a16="http://schemas.microsoft.com/office/drawing/2014/main" id="{3858C736-1804-4837-F58B-5B162CEC013A}"/>
+              </a:ext>
+            </a:extLst>
+          </p:cNvPr>
+          <p:cNvSpPr/>
+          <p:nvPr/>
+        </p:nvSpPr>
+        <p:spPr>
+          <a:xfrm>
+            <a:off x="6943795" y="4175633"/>
+            <a:ext cx="3908203" cy="1763620"/>
+          </a:xfrm>
+          <a:prstGeom prst="rect">
+            <a:avLst/>
+          </a:prstGeom>
+          <a:noFill/>
+          <a:ln>
+            <a:solidFill>
+              <a:srgbClr val="FF0000"/>
+            </a:solidFill>
+          </a:ln>
+        </p:spPr>
+        <p:style>
+          <a:lnRef idx="2">
+            <a:schemeClr val="accent1">
+              <a:shade val="15000"/>
+            </a:schemeClr>
+          </a:lnRef>
+          <a:fillRef idx="1">
+            <a:schemeClr val="accent1"/>
+          </a:fillRef>
+          <a:effectRef idx="0">
+            <a:schemeClr val="accent1"/>
+          </a:effectRef>
+          <a:fontRef idx="minor">
+            <a:schemeClr val="lt1"/>
+          </a:fontRef>
+        </p:style>
+        <p:txBody>
+          <a:bodyPr rtlCol="0" anchor="ctr"/>
+          <a:lstStyle/>
+          <a:p>
+            <a:pPr algn="ctr"/>
+            <a:r>
+              <a:rPr lang="en-US" sz="4000" dirty="0">
+                <a:solidFill>
+                  <a:srgbClr val="FF0000"/>
+                </a:solidFill>
+              </a:rPr>
+              <a:t>Top 10 and Bottom 10 Per weights per company</a:t>
+            </a:r>
+          </a:p>
+        </p:txBody>
+      </p:sp>
     </p:spTree>
     <p:extLst>
       <p:ext uri="{BB962C8B-B14F-4D97-AF65-F5344CB8AC3E}">
@@ -9159,7 +9645,7 @@
         <p:cNvPr id="1" name="">
           <a:extLst>
             <a:ext uri="{FF2B5EF4-FFF2-40B4-BE49-F238E27FC236}">
-              <a16:creationId xmlns:a16="http://schemas.microsoft.com/office/drawing/2014/main" id="{A3F88C08-7987-43F6-15C5-29B47F37B7E3}"/>
+              <a16:creationId xmlns:a16="http://schemas.microsoft.com/office/drawing/2014/main" id="{584B0AF8-1FBA-579F-DA68-C4993B7CBB0C}"/>
             </a:ext>
           </a:extLst>
         </p:cNvPr>
@@ -9179,7 +9665,7 @@
           <p:cNvPr id="5" name="Rectangle 4">
             <a:extLst>
               <a:ext uri="{FF2B5EF4-FFF2-40B4-BE49-F238E27FC236}">
-                <a16:creationId xmlns:a16="http://schemas.microsoft.com/office/drawing/2014/main" id="{797C46D5-5B5B-2FF7-4887-F38004046B1E}"/>
+                <a16:creationId xmlns:a16="http://schemas.microsoft.com/office/drawing/2014/main" id="{C72B2926-A746-F179-79A3-883B00B24BE5}"/>
               </a:ext>
             </a:extLst>
           </p:cNvPr>
@@ -9255,7 +9741,7 @@
           <p:cNvPr id="4" name="Table 3">
             <a:extLst>
               <a:ext uri="{FF2B5EF4-FFF2-40B4-BE49-F238E27FC236}">
-                <a16:creationId xmlns:a16="http://schemas.microsoft.com/office/drawing/2014/main" id="{B30AE322-85ED-C379-FEF7-2C9BB397CE97}"/>
+                <a16:creationId xmlns:a16="http://schemas.microsoft.com/office/drawing/2014/main" id="{926F73CB-6217-03AD-D1C6-D56198E49AE3}"/>
               </a:ext>
             </a:extLst>
           </p:cNvPr>
@@ -9265,7 +9751,7 @@
           <p:nvPr>
             <p:extLst>
               <p:ext uri="{D42A27DB-BD31-4B8C-83A1-F6EECF244321}">
-                <p14:modId xmlns:p14="http://schemas.microsoft.com/office/powerpoint/2010/main" val="1445513032"/>
+                <p14:modId xmlns:p14="http://schemas.microsoft.com/office/powerpoint/2010/main" val="1132869376"/>
               </p:ext>
             </p:extLst>
           </p:nvPr>
@@ -9441,1580 +9927,7 @@
                     <a:lstStyle/>
                     <a:p>
                       <a:pPr algn="ctr"/>
-                      <a:r>
-                        <a:rPr lang="en-US" dirty="0"/>
-                        <a:t>Geographic</a:t>
-                      </a:r>
-                    </a:p>
-                  </a:txBody>
-                  <a:tcPr>
-                    <a:lnL w="12700" cap="flat" cmpd="sng" algn="ctr">
-                      <a:solidFill>
-                        <a:schemeClr val="tx1"/>
-                      </a:solidFill>
-                      <a:prstDash val="solid"/>
-                      <a:round/>
-                      <a:headEnd type="none" w="med" len="med"/>
-                      <a:tailEnd type="none" w="med" len="med"/>
-                    </a:lnL>
-                    <a:lnR w="12700" cap="flat" cmpd="sng" algn="ctr">
-                      <a:solidFill>
-                        <a:schemeClr val="tx1"/>
-                      </a:solidFill>
-                      <a:prstDash val="solid"/>
-                      <a:round/>
-                      <a:headEnd type="none" w="med" len="med"/>
-                      <a:tailEnd type="none" w="med" len="med"/>
-                    </a:lnR>
-                    <a:lnT w="12700" cap="flat" cmpd="sng" algn="ctr">
-                      <a:solidFill>
-                        <a:schemeClr val="tx1"/>
-                      </a:solidFill>
-                      <a:prstDash val="solid"/>
-                      <a:round/>
-                      <a:headEnd type="none" w="med" len="med"/>
-                      <a:tailEnd type="none" w="med" len="med"/>
-                    </a:lnT>
-                    <a:lnB w="12700" cap="flat" cmpd="sng" algn="ctr">
-                      <a:solidFill>
-                        <a:schemeClr val="tx1"/>
-                      </a:solidFill>
-                      <a:prstDash val="solid"/>
-                      <a:round/>
-                      <a:headEnd type="none" w="med" len="med"/>
-                      <a:tailEnd type="none" w="med" len="med"/>
-                    </a:lnB>
-                    <a:lnTlToBr w="12700" cmpd="sng">
-                      <a:noFill/>
-                      <a:prstDash val="solid"/>
-                    </a:lnTlToBr>
-                    <a:lnBlToTr w="12700" cmpd="sng">
-                      <a:noFill/>
-                      <a:prstDash val="solid"/>
-                    </a:lnBlToTr>
-                    <a:solidFill>
-                      <a:srgbClr val="163E64"/>
-                    </a:solidFill>
-                  </a:tcPr>
-                </a:tc>
-                <a:tc>
-                  <a:txBody>
-                    <a:bodyPr/>
-                    <a:lstStyle/>
-                    <a:p>
-                      <a:pPr algn="ctr"/>
-                      <a:r>
-                        <a:rPr lang="en-US" dirty="0"/>
-                        <a:t>Company</a:t>
-                      </a:r>
-                    </a:p>
-                  </a:txBody>
-                  <a:tcPr>
-                    <a:lnL w="12700" cap="flat" cmpd="sng" algn="ctr">
-                      <a:solidFill>
-                        <a:schemeClr val="tx1"/>
-                      </a:solidFill>
-                      <a:prstDash val="solid"/>
-                      <a:round/>
-                      <a:headEnd type="none" w="med" len="med"/>
-                      <a:tailEnd type="none" w="med" len="med"/>
-                    </a:lnL>
-                    <a:lnR w="12700" cap="flat" cmpd="sng" algn="ctr">
-                      <a:solidFill>
-                        <a:schemeClr val="tx1"/>
-                      </a:solidFill>
-                      <a:prstDash val="solid"/>
-                      <a:round/>
-                      <a:headEnd type="none" w="med" len="med"/>
-                      <a:tailEnd type="none" w="med" len="med"/>
-                    </a:lnR>
-                    <a:lnT w="12700" cap="flat" cmpd="sng" algn="ctr">
-                      <a:solidFill>
-                        <a:schemeClr val="tx1"/>
-                      </a:solidFill>
-                      <a:prstDash val="solid"/>
-                      <a:round/>
-                      <a:headEnd type="none" w="med" len="med"/>
-                      <a:tailEnd type="none" w="med" len="med"/>
-                    </a:lnT>
-                    <a:lnB w="12700" cap="flat" cmpd="sng" algn="ctr">
-                      <a:solidFill>
-                        <a:schemeClr val="tx1"/>
-                      </a:solidFill>
-                      <a:prstDash val="solid"/>
-                      <a:round/>
-                      <a:headEnd type="none" w="med" len="med"/>
-                      <a:tailEnd type="none" w="med" len="med"/>
-                    </a:lnB>
-                    <a:lnTlToBr w="12700" cmpd="sng">
-                      <a:noFill/>
-                      <a:prstDash val="solid"/>
-                    </a:lnTlToBr>
-                    <a:lnBlToTr w="12700" cmpd="sng">
-                      <a:noFill/>
-                      <a:prstDash val="solid"/>
-                    </a:lnBlToTr>
-                    <a:solidFill>
-                      <a:schemeClr val="accent2"/>
-                    </a:solidFill>
-                  </a:tcPr>
-                </a:tc>
-                <a:extLst>
-                  <a:ext uri="{0D108BD9-81ED-4DB2-BD59-A6C34878D82A}">
-                    <a16:rowId xmlns:a16="http://schemas.microsoft.com/office/drawing/2014/main" val="3189088110"/>
-                  </a:ext>
-                </a:extLst>
-              </a:tr>
-            </a:tbl>
-          </a:graphicData>
-        </a:graphic>
-      </p:graphicFrame>
-      <p:pic>
-        <p:nvPicPr>
-          <p:cNvPr id="1026" name="Picture 2" descr="Logo Files | Dot Foods">
-            <a:extLst>
-              <a:ext uri="{FF2B5EF4-FFF2-40B4-BE49-F238E27FC236}">
-                <a16:creationId xmlns:a16="http://schemas.microsoft.com/office/drawing/2014/main" id="{2F631736-6946-2424-8FF6-49B8C1C54D50}"/>
-              </a:ext>
-            </a:extLst>
-          </p:cNvPr>
-          <p:cNvPicPr>
-            <a:picLocks noChangeAspect="1" noChangeArrowheads="1"/>
-          </p:cNvPicPr>
-          <p:nvPr/>
-        </p:nvPicPr>
-        <p:blipFill>
-          <a:blip r:embed="rId2">
-            <a:extLst>
-              <a:ext uri="{28A0092B-C50C-407E-A947-70E740481C1C}">
-                <a14:useLocalDpi xmlns:a14="http://schemas.microsoft.com/office/drawing/2010/main" val="0"/>
-              </a:ext>
-            </a:extLst>
-          </a:blip>
-          <a:srcRect/>
-          <a:stretch>
-            <a:fillRect/>
-          </a:stretch>
-        </p:blipFill>
-        <p:spPr bwMode="auto">
-          <a:xfrm>
-            <a:off x="9464966" y="199351"/>
-            <a:ext cx="453352" cy="453352"/>
-          </a:xfrm>
-          <a:prstGeom prst="rect">
-            <a:avLst/>
-          </a:prstGeom>
-          <a:noFill/>
-          <a:extLst>
-            <a:ext uri="{909E8E84-426E-40DD-AFC4-6F175D3DCCD1}">
-              <a14:hiddenFill xmlns:a14="http://schemas.microsoft.com/office/drawing/2010/main">
-                <a:solidFill>
-                  <a:srgbClr val="FFFFFF"/>
-                </a:solidFill>
-              </a14:hiddenFill>
-            </a:ext>
-          </a:extLst>
-        </p:spPr>
-      </p:pic>
-      <p:sp>
-        <p:nvSpPr>
-          <p:cNvPr id="14" name="Rectangle 13">
-            <a:extLst>
-              <a:ext uri="{FF2B5EF4-FFF2-40B4-BE49-F238E27FC236}">
-                <a16:creationId xmlns:a16="http://schemas.microsoft.com/office/drawing/2014/main" id="{F1405F06-EE9A-A193-ADFC-88D91D782279}"/>
-              </a:ext>
-            </a:extLst>
-          </p:cNvPr>
-          <p:cNvSpPr/>
-          <p:nvPr/>
-        </p:nvSpPr>
-        <p:spPr>
-          <a:xfrm>
-            <a:off x="2033707" y="1167241"/>
-            <a:ext cx="8031363" cy="627788"/>
-          </a:xfrm>
-          <a:prstGeom prst="rect">
-            <a:avLst/>
-          </a:prstGeom>
-        </p:spPr>
-        <p:style>
-          <a:lnRef idx="2">
-            <a:schemeClr val="accent1">
-              <a:shade val="15000"/>
-            </a:schemeClr>
-          </a:lnRef>
-          <a:fillRef idx="1">
-            <a:schemeClr val="accent1"/>
-          </a:fillRef>
-          <a:effectRef idx="0">
-            <a:schemeClr val="accent1"/>
-          </a:effectRef>
-          <a:fontRef idx="minor">
-            <a:schemeClr val="lt1"/>
-          </a:fontRef>
-        </p:style>
-        <p:txBody>
-          <a:bodyPr rtlCol="0" anchor="ctr"/>
-          <a:lstStyle/>
-          <a:p>
-            <a:pPr algn="ctr"/>
-            <a:endParaRPr lang="en-US"/>
-          </a:p>
-        </p:txBody>
-      </p:sp>
-      <p:pic>
-        <p:nvPicPr>
-          <p:cNvPr id="11" name="Graphic 10" descr="Employee badge outline">
-            <a:extLst>
-              <a:ext uri="{FF2B5EF4-FFF2-40B4-BE49-F238E27FC236}">
-                <a16:creationId xmlns:a16="http://schemas.microsoft.com/office/drawing/2014/main" id="{3135FD11-A477-029A-2D88-075EB3D48B89}"/>
-              </a:ext>
-            </a:extLst>
-          </p:cNvPr>
-          <p:cNvPicPr>
-            <a:picLocks noChangeAspect="1"/>
-          </p:cNvPicPr>
-          <p:nvPr/>
-        </p:nvPicPr>
-        <p:blipFill>
-          <a:blip r:embed="rId3">
-            <a:extLst>
-              <a:ext uri="{96DAC541-7B7A-43D3-8B79-37D633B846F1}">
-                <asvg:svgBlip xmlns:asvg="http://schemas.microsoft.com/office/drawing/2016/SVG/main" r:embed="rId4"/>
-              </a:ext>
-            </a:extLst>
-          </a:blip>
-          <a:stretch>
-            <a:fillRect/>
-          </a:stretch>
-        </p:blipFill>
-        <p:spPr>
-          <a:xfrm>
-            <a:off x="2040710" y="1136141"/>
-            <a:ext cx="565728" cy="565728"/>
-          </a:xfrm>
-          <a:prstGeom prst="rect">
-            <a:avLst/>
-          </a:prstGeom>
-        </p:spPr>
-      </p:pic>
-      <p:sp>
-        <p:nvSpPr>
-          <p:cNvPr id="12" name="TextBox 11">
-            <a:extLst>
-              <a:ext uri="{FF2B5EF4-FFF2-40B4-BE49-F238E27FC236}">
-                <a16:creationId xmlns:a16="http://schemas.microsoft.com/office/drawing/2014/main" id="{7F45AF4E-1D23-9D99-2BBB-44D083BC48FF}"/>
-              </a:ext>
-            </a:extLst>
-          </p:cNvPr>
-          <p:cNvSpPr txBox="1"/>
-          <p:nvPr/>
-        </p:nvSpPr>
-        <p:spPr>
-          <a:xfrm>
-            <a:off x="2635707" y="1334740"/>
-            <a:ext cx="1666327" cy="253916"/>
-          </a:xfrm>
-          <a:prstGeom prst="rect">
-            <a:avLst/>
-          </a:prstGeom>
-          <a:solidFill>
-            <a:schemeClr val="bg1"/>
-          </a:solidFill>
-          <a:ln>
-            <a:solidFill>
-              <a:schemeClr val="accent1">
-                <a:shade val="15000"/>
-              </a:schemeClr>
-            </a:solidFill>
-          </a:ln>
-        </p:spPr>
-        <p:txBody>
-          <a:bodyPr wrap="square" rtlCol="0">
-            <a:spAutoFit/>
-          </a:bodyPr>
-          <a:lstStyle/>
-          <a:p>
-            <a:r>
-              <a:rPr lang="en-US" sz="1050" i="1" dirty="0">
-                <a:latin typeface="Avenir Next Condensed" panose="020B0506020202020204" pitchFamily="34" charset="0"/>
-              </a:rPr>
-              <a:t>Customer Name</a:t>
-            </a:r>
-          </a:p>
-        </p:txBody>
-      </p:sp>
-      <p:graphicFrame>
-        <p:nvGraphicFramePr>
-          <p:cNvPr id="15" name="Table 14">
-            <a:extLst>
-              <a:ext uri="{FF2B5EF4-FFF2-40B4-BE49-F238E27FC236}">
-                <a16:creationId xmlns:a16="http://schemas.microsoft.com/office/drawing/2014/main" id="{52B04278-884A-B99A-E25D-24C4BC971587}"/>
-              </a:ext>
-            </a:extLst>
-          </p:cNvPr>
-          <p:cNvGraphicFramePr>
-            <a:graphicFrameLocks noGrp="1"/>
-          </p:cNvGraphicFramePr>
-          <p:nvPr>
-            <p:extLst>
-              <p:ext uri="{D42A27DB-BD31-4B8C-83A1-F6EECF244321}">
-                <p14:modId xmlns:p14="http://schemas.microsoft.com/office/powerpoint/2010/main" val="2549039827"/>
-              </p:ext>
-            </p:extLst>
-          </p:nvPr>
-        </p:nvGraphicFramePr>
-        <p:xfrm>
-          <a:off x="2314865" y="2231875"/>
-          <a:ext cx="7538720" cy="1673326"/>
-        </p:xfrm>
-        <a:graphic>
-          <a:graphicData uri="http://schemas.openxmlformats.org/drawingml/2006/table">
-            <a:tbl>
-              <a:tblPr firstRow="1" bandRow="1">
-                <a:tableStyleId>{69CF1AB2-1976-4502-BF36-3FF5EA218861}</a:tableStyleId>
-              </a:tblPr>
-              <a:tblGrid>
-                <a:gridCol w="1884680">
-                  <a:extLst>
-                    <a:ext uri="{9D8B030D-6E8A-4147-A177-3AD203B41FA5}">
-                      <a16:colId xmlns:a16="http://schemas.microsoft.com/office/drawing/2014/main" val="135541221"/>
-                    </a:ext>
-                  </a:extLst>
-                </a:gridCol>
-                <a:gridCol w="1884680">
-                  <a:extLst>
-                    <a:ext uri="{9D8B030D-6E8A-4147-A177-3AD203B41FA5}">
-                      <a16:colId xmlns:a16="http://schemas.microsoft.com/office/drawing/2014/main" val="866926161"/>
-                    </a:ext>
-                  </a:extLst>
-                </a:gridCol>
-                <a:gridCol w="1884680">
-                  <a:extLst>
-                    <a:ext uri="{9D8B030D-6E8A-4147-A177-3AD203B41FA5}">
-                      <a16:colId xmlns:a16="http://schemas.microsoft.com/office/drawing/2014/main" val="42548675"/>
-                    </a:ext>
-                  </a:extLst>
-                </a:gridCol>
-                <a:gridCol w="1884680">
-                  <a:extLst>
-                    <a:ext uri="{9D8B030D-6E8A-4147-A177-3AD203B41FA5}">
-                      <a16:colId xmlns:a16="http://schemas.microsoft.com/office/drawing/2014/main" val="2435147005"/>
-                    </a:ext>
-                  </a:extLst>
-                </a:gridCol>
-              </a:tblGrid>
-              <a:tr h="288677">
-                <a:tc>
-                  <a:txBody>
-                    <a:bodyPr/>
-                    <a:lstStyle/>
-                    <a:p>
-                      <a:pPr algn="l" fontAlgn="ctr"/>
-                      <a:r>
-                        <a:rPr lang="en-US" sz="1000" b="1" i="0" u="none" strike="noStrike" dirty="0">
-                          <a:solidFill>
-                            <a:srgbClr val="000000"/>
-                          </a:solidFill>
-                          <a:effectLst/>
-                          <a:latin typeface="Century Gothic" panose="020B0502020202020204" pitchFamily="34" charset="0"/>
-                        </a:rPr>
-                        <a:t>Avg. Time On Dock (in hours):</a:t>
-                      </a:r>
-                    </a:p>
-                  </a:txBody>
-                  <a:tcPr marL="6350" marR="6350" marT="6350" anchor="ctr"/>
-                </a:tc>
-                <a:tc>
-                  <a:txBody>
-                    <a:bodyPr/>
-                    <a:lstStyle/>
-                    <a:p>
-                      <a:pPr algn="ctr" fontAlgn="ctr"/>
-                      <a:r>
-                        <a:rPr lang="en-US" sz="1000" b="1" i="0" u="none" strike="noStrike">
-                          <a:solidFill>
-                            <a:srgbClr val="000000"/>
-                          </a:solidFill>
-                          <a:effectLst/>
-                          <a:latin typeface="Century Gothic" panose="020B0502020202020204" pitchFamily="34" charset="0"/>
-                        </a:rPr>
-                        <a:t>3</a:t>
-                      </a:r>
-                    </a:p>
-                  </a:txBody>
-                  <a:tcPr marL="6350" marR="6350" marT="6350" anchor="ctr"/>
-                </a:tc>
-                <a:tc>
-                  <a:txBody>
-                    <a:bodyPr/>
-                    <a:lstStyle/>
-                    <a:p>
-                      <a:pPr algn="l" fontAlgn="ctr"/>
-                      <a:r>
-                        <a:rPr lang="en-US" sz="1000" b="1" i="0" u="none" strike="noStrike" dirty="0">
-                          <a:solidFill>
-                            <a:srgbClr val="000000"/>
-                          </a:solidFill>
-                          <a:effectLst/>
-                          <a:latin typeface="Century Gothic" panose="020B0502020202020204" pitchFamily="34" charset="0"/>
-                        </a:rPr>
-                        <a:t>State Avg. Time On Dock (in hours):</a:t>
-                      </a:r>
-                    </a:p>
-                  </a:txBody>
-                  <a:tcPr marL="6350" marR="6350" marT="6350" anchor="ctr"/>
-                </a:tc>
-                <a:tc>
-                  <a:txBody>
-                    <a:bodyPr/>
-                    <a:lstStyle/>
-                    <a:p>
-                      <a:pPr algn="ctr" fontAlgn="ctr"/>
-                      <a:r>
-                        <a:rPr lang="en-US" sz="1000" b="1" i="0" u="none" strike="noStrike" dirty="0">
-                          <a:solidFill>
-                            <a:srgbClr val="000000"/>
-                          </a:solidFill>
-                          <a:effectLst/>
-                          <a:latin typeface="Century Gothic" panose="020B0502020202020204" pitchFamily="34" charset="0"/>
-                        </a:rPr>
-                        <a:t>3</a:t>
-                      </a:r>
-                    </a:p>
-                  </a:txBody>
-                  <a:tcPr marL="6350" marR="6350" marT="6350" anchor="ctr"/>
-                </a:tc>
-                <a:extLst>
-                  <a:ext uri="{0D108BD9-81ED-4DB2-BD59-A6C34878D82A}">
-                    <a16:rowId xmlns:a16="http://schemas.microsoft.com/office/drawing/2014/main" val="3634916419"/>
-                  </a:ext>
-                </a:extLst>
-              </a:tr>
-              <a:tr h="217906">
-                <a:tc>
-                  <a:txBody>
-                    <a:bodyPr/>
-                    <a:lstStyle/>
-                    <a:p>
-                      <a:pPr algn="l" fontAlgn="ctr"/>
-                      <a:r>
-                        <a:rPr lang="en-US" sz="1000" b="1" i="0" u="none" strike="noStrike" dirty="0">
-                          <a:solidFill>
-                            <a:srgbClr val="000000"/>
-                          </a:solidFill>
-                          <a:effectLst/>
-                          <a:latin typeface="Century Gothic" panose="020B0502020202020204" pitchFamily="34" charset="0"/>
-                        </a:rPr>
-                        <a:t>Avg. </a:t>
-                      </a:r>
-                      <a:r>
-                        <a:rPr lang="en-US" sz="1000" b="1" i="0" u="none" strike="noStrike" dirty="0" err="1">
-                          <a:solidFill>
-                            <a:srgbClr val="000000"/>
-                          </a:solidFill>
-                          <a:effectLst/>
-                          <a:latin typeface="Century Gothic" panose="020B0502020202020204" pitchFamily="34" charset="0"/>
-                        </a:rPr>
-                        <a:t>Lbs</a:t>
-                      </a:r>
-                      <a:r>
-                        <a:rPr lang="en-US" sz="1000" b="1" i="0" u="none" strike="noStrike" dirty="0">
-                          <a:solidFill>
-                            <a:srgbClr val="000000"/>
-                          </a:solidFill>
-                          <a:effectLst/>
-                          <a:latin typeface="Century Gothic" panose="020B0502020202020204" pitchFamily="34" charset="0"/>
-                        </a:rPr>
-                        <a:t> Per Period:</a:t>
-                      </a:r>
-                    </a:p>
-                  </a:txBody>
-                  <a:tcPr marL="6350" marR="6350" marT="6350" anchor="ctr"/>
-                </a:tc>
-                <a:tc>
-                  <a:txBody>
-                    <a:bodyPr/>
-                    <a:lstStyle/>
-                    <a:p>
-                      <a:pPr algn="ctr" fontAlgn="ctr"/>
-                      <a:r>
-                        <a:rPr lang="en-US" sz="1000" b="1" i="0" u="none" strike="noStrike">
-                          <a:solidFill>
-                            <a:srgbClr val="000000"/>
-                          </a:solidFill>
-                          <a:effectLst/>
-                          <a:latin typeface="Century Gothic" panose="020B0502020202020204" pitchFamily="34" charset="0"/>
-                        </a:rPr>
-                        <a:t>311,500</a:t>
-                      </a:r>
-                    </a:p>
-                  </a:txBody>
-                  <a:tcPr marL="6350" marR="6350" marT="6350" anchor="ctr"/>
-                </a:tc>
-                <a:tc>
-                  <a:txBody>
-                    <a:bodyPr/>
-                    <a:lstStyle/>
-                    <a:p>
-                      <a:pPr algn="l" fontAlgn="ctr"/>
-                      <a:r>
-                        <a:rPr lang="en-US" sz="1000" b="1" i="0" u="none" strike="noStrike" dirty="0">
-                          <a:solidFill>
-                            <a:srgbClr val="000000"/>
-                          </a:solidFill>
-                          <a:effectLst/>
-                          <a:latin typeface="Century Gothic" panose="020B0502020202020204" pitchFamily="34" charset="0"/>
-                        </a:rPr>
-                        <a:t>State Avg. </a:t>
-                      </a:r>
-                      <a:r>
-                        <a:rPr lang="en-US" sz="1000" b="1" i="0" u="none" strike="noStrike" dirty="0" err="1">
-                          <a:solidFill>
-                            <a:srgbClr val="000000"/>
-                          </a:solidFill>
-                          <a:effectLst/>
-                          <a:latin typeface="Century Gothic" panose="020B0502020202020204" pitchFamily="34" charset="0"/>
-                        </a:rPr>
-                        <a:t>Lbs</a:t>
-                      </a:r>
-                      <a:r>
-                        <a:rPr lang="en-US" sz="1000" b="1" i="0" u="none" strike="noStrike" dirty="0">
-                          <a:solidFill>
-                            <a:srgbClr val="000000"/>
-                          </a:solidFill>
-                          <a:effectLst/>
-                          <a:latin typeface="Century Gothic" panose="020B0502020202020204" pitchFamily="34" charset="0"/>
-                        </a:rPr>
-                        <a:t> Per Period:</a:t>
-                      </a:r>
-                    </a:p>
-                  </a:txBody>
-                  <a:tcPr marL="6350" marR="6350" marT="6350" anchor="ctr"/>
-                </a:tc>
-                <a:tc>
-                  <a:txBody>
-                    <a:bodyPr/>
-                    <a:lstStyle/>
-                    <a:p>
-                      <a:pPr algn="ctr" fontAlgn="ctr"/>
-                      <a:r>
-                        <a:rPr lang="en-US" sz="1000" b="1" i="0" u="none" strike="noStrike">
-                          <a:solidFill>
-                            <a:srgbClr val="000000"/>
-                          </a:solidFill>
-                          <a:effectLst/>
-                          <a:latin typeface="Century Gothic" panose="020B0502020202020204" pitchFamily="34" charset="0"/>
-                        </a:rPr>
-                        <a:t>311,500</a:t>
-                      </a:r>
-                    </a:p>
-                  </a:txBody>
-                  <a:tcPr marL="6350" marR="6350" marT="6350" anchor="ctr"/>
-                </a:tc>
-                <a:extLst>
-                  <a:ext uri="{0D108BD9-81ED-4DB2-BD59-A6C34878D82A}">
-                    <a16:rowId xmlns:a16="http://schemas.microsoft.com/office/drawing/2014/main" val="401715167"/>
-                  </a:ext>
-                </a:extLst>
-              </a:tr>
-              <a:tr h="217906">
-                <a:tc>
-                  <a:txBody>
-                    <a:bodyPr/>
-                    <a:lstStyle/>
-                    <a:p>
-                      <a:pPr algn="l" fontAlgn="ctr"/>
-                      <a:r>
-                        <a:rPr lang="en-US" sz="1000" b="1" i="0" u="none" strike="noStrike" dirty="0">
-                          <a:solidFill>
-                            <a:srgbClr val="000000"/>
-                          </a:solidFill>
-                          <a:effectLst/>
-                          <a:latin typeface="Century Gothic" panose="020B0502020202020204" pitchFamily="34" charset="0"/>
-                        </a:rPr>
-                        <a:t>Avg. # Of POs Per Load:</a:t>
-                      </a:r>
-                    </a:p>
-                  </a:txBody>
-                  <a:tcPr marL="6350" marR="6350" marT="6350" anchor="ctr"/>
-                </a:tc>
-                <a:tc>
-                  <a:txBody>
-                    <a:bodyPr/>
-                    <a:lstStyle/>
-                    <a:p>
-                      <a:pPr algn="ctr" fontAlgn="ctr"/>
-                      <a:r>
-                        <a:rPr lang="en-US" sz="1100" b="1" i="0" u="none" strike="noStrike">
-                          <a:solidFill>
-                            <a:srgbClr val="000000"/>
-                          </a:solidFill>
-                          <a:effectLst/>
-                          <a:latin typeface="Century Gothic" panose="020B0502020202020204" pitchFamily="34" charset="0"/>
-                        </a:rPr>
-                        <a:t>2.9</a:t>
-                      </a:r>
-                    </a:p>
-                  </a:txBody>
-                  <a:tcPr marL="6350" marR="6350" marT="6350" anchor="ctr"/>
-                </a:tc>
-                <a:tc>
-                  <a:txBody>
-                    <a:bodyPr/>
-                    <a:lstStyle/>
-                    <a:p>
-                      <a:pPr algn="l" fontAlgn="ctr"/>
-                      <a:r>
-                        <a:rPr lang="en-US" sz="1000" b="1" i="0" u="none" strike="noStrike" dirty="0">
-                          <a:solidFill>
-                            <a:srgbClr val="000000"/>
-                          </a:solidFill>
-                          <a:effectLst/>
-                          <a:latin typeface="Century Gothic" panose="020B0502020202020204" pitchFamily="34" charset="0"/>
-                        </a:rPr>
-                        <a:t>State Avg. # Of POs Per Load:</a:t>
-                      </a:r>
-                    </a:p>
-                  </a:txBody>
-                  <a:tcPr marL="6350" marR="6350" marT="6350" anchor="ctr"/>
-                </a:tc>
-                <a:tc>
-                  <a:txBody>
-                    <a:bodyPr/>
-                    <a:lstStyle/>
-                    <a:p>
-                      <a:pPr algn="ctr" fontAlgn="ctr"/>
-                      <a:r>
-                        <a:rPr lang="en-US" sz="1100" b="1" i="0" u="none" strike="noStrike">
-                          <a:solidFill>
-                            <a:srgbClr val="000000"/>
-                          </a:solidFill>
-                          <a:effectLst/>
-                          <a:latin typeface="Century Gothic" panose="020B0502020202020204" pitchFamily="34" charset="0"/>
-                        </a:rPr>
-                        <a:t>2.9</a:t>
-                      </a:r>
-                    </a:p>
-                  </a:txBody>
-                  <a:tcPr marL="6350" marR="6350" marT="6350" anchor="ctr"/>
-                </a:tc>
-                <a:extLst>
-                  <a:ext uri="{0D108BD9-81ED-4DB2-BD59-A6C34878D82A}">
-                    <a16:rowId xmlns:a16="http://schemas.microsoft.com/office/drawing/2014/main" val="3722360197"/>
-                  </a:ext>
-                </a:extLst>
-              </a:tr>
-              <a:tr h="217906">
-                <a:tc>
-                  <a:txBody>
-                    <a:bodyPr/>
-                    <a:lstStyle/>
-                    <a:p>
-                      <a:pPr algn="l" fontAlgn="ctr"/>
-                      <a:r>
-                        <a:rPr lang="en-US" sz="1000" b="1" i="0" u="none" strike="noStrike" dirty="0">
-                          <a:solidFill>
-                            <a:srgbClr val="000000"/>
-                          </a:solidFill>
-                          <a:effectLst/>
-                          <a:latin typeface="Century Gothic" panose="020B0502020202020204" pitchFamily="34" charset="0"/>
-                        </a:rPr>
-                        <a:t>Avg. Cases Per Load:</a:t>
-                      </a:r>
-                    </a:p>
-                  </a:txBody>
-                  <a:tcPr marL="6350" marR="6350" marT="6350" anchor="ctr"/>
-                </a:tc>
-                <a:tc>
-                  <a:txBody>
-                    <a:bodyPr/>
-                    <a:lstStyle/>
-                    <a:p>
-                      <a:pPr algn="ctr" fontAlgn="ctr"/>
-                      <a:r>
-                        <a:rPr lang="en-US" sz="1100" b="1" i="0" u="none" strike="noStrike">
-                          <a:solidFill>
-                            <a:srgbClr val="000000"/>
-                          </a:solidFill>
-                          <a:effectLst/>
-                          <a:latin typeface="Century Gothic" panose="020B0502020202020204" pitchFamily="34" charset="0"/>
-                        </a:rPr>
-                        <a:t>1,684</a:t>
-                      </a:r>
-                    </a:p>
-                  </a:txBody>
-                  <a:tcPr marL="6350" marR="6350" marT="6350" anchor="ctr"/>
-                </a:tc>
-                <a:tc>
-                  <a:txBody>
-                    <a:bodyPr/>
-                    <a:lstStyle/>
-                    <a:p>
-                      <a:pPr algn="l" fontAlgn="ctr"/>
-                      <a:r>
-                        <a:rPr lang="en-US" sz="1000" b="1" i="0" u="none" strike="noStrike" dirty="0">
-                          <a:solidFill>
-                            <a:srgbClr val="000000"/>
-                          </a:solidFill>
-                          <a:effectLst/>
-                          <a:latin typeface="Century Gothic" panose="020B0502020202020204" pitchFamily="34" charset="0"/>
-                        </a:rPr>
-                        <a:t>State Avg. Cases Per Load:</a:t>
-                      </a:r>
-                    </a:p>
-                  </a:txBody>
-                  <a:tcPr marL="6350" marR="6350" marT="6350" anchor="ctr"/>
-                </a:tc>
-                <a:tc>
-                  <a:txBody>
-                    <a:bodyPr/>
-                    <a:lstStyle/>
-                    <a:p>
-                      <a:pPr algn="ctr" fontAlgn="ctr"/>
-                      <a:r>
-                        <a:rPr lang="en-US" sz="1100" b="1" i="0" u="none" strike="noStrike">
-                          <a:solidFill>
-                            <a:srgbClr val="000000"/>
-                          </a:solidFill>
-                          <a:effectLst/>
-                          <a:latin typeface="Century Gothic" panose="020B0502020202020204" pitchFamily="34" charset="0"/>
-                        </a:rPr>
-                        <a:t>1,684</a:t>
-                      </a:r>
-                    </a:p>
-                  </a:txBody>
-                  <a:tcPr marL="6350" marR="6350" marT="6350" anchor="ctr"/>
-                </a:tc>
-                <a:extLst>
-                  <a:ext uri="{0D108BD9-81ED-4DB2-BD59-A6C34878D82A}">
-                    <a16:rowId xmlns:a16="http://schemas.microsoft.com/office/drawing/2014/main" val="1357843466"/>
-                  </a:ext>
-                </a:extLst>
-              </a:tr>
-              <a:tr h="217906">
-                <a:tc>
-                  <a:txBody>
-                    <a:bodyPr/>
-                    <a:lstStyle/>
-                    <a:p>
-                      <a:pPr algn="l" fontAlgn="ctr"/>
-                      <a:r>
-                        <a:rPr lang="en-US" sz="1000" b="1" i="0" u="none" strike="noStrike" dirty="0">
-                          <a:solidFill>
-                            <a:srgbClr val="000000"/>
-                          </a:solidFill>
-                          <a:effectLst/>
-                          <a:latin typeface="Century Gothic" panose="020B0502020202020204" pitchFamily="34" charset="0"/>
-                        </a:rPr>
-                        <a:t>Avg. Lines Per Load:</a:t>
-                      </a:r>
-                    </a:p>
-                  </a:txBody>
-                  <a:tcPr marL="6350" marR="6350" marT="6350" anchor="ctr"/>
-                </a:tc>
-                <a:tc>
-                  <a:txBody>
-                    <a:bodyPr/>
-                    <a:lstStyle/>
-                    <a:p>
-                      <a:pPr algn="ctr" fontAlgn="ctr"/>
-                      <a:r>
-                        <a:rPr lang="en-US" sz="1100" b="1" i="0" u="none" strike="noStrike">
-                          <a:solidFill>
-                            <a:srgbClr val="000000"/>
-                          </a:solidFill>
-                          <a:effectLst/>
-                          <a:latin typeface="Century Gothic" panose="020B0502020202020204" pitchFamily="34" charset="0"/>
-                        </a:rPr>
-                        <a:t>182</a:t>
-                      </a:r>
-                    </a:p>
-                  </a:txBody>
-                  <a:tcPr marL="6350" marR="6350" marT="6350" anchor="ctr"/>
-                </a:tc>
-                <a:tc>
-                  <a:txBody>
-                    <a:bodyPr/>
-                    <a:lstStyle/>
-                    <a:p>
-                      <a:pPr algn="l" fontAlgn="ctr"/>
-                      <a:r>
-                        <a:rPr lang="en-US" sz="1000" b="1" i="0" u="none" strike="noStrike" dirty="0">
-                          <a:solidFill>
-                            <a:srgbClr val="000000"/>
-                          </a:solidFill>
-                          <a:effectLst/>
-                          <a:latin typeface="Century Gothic" panose="020B0502020202020204" pitchFamily="34" charset="0"/>
-                        </a:rPr>
-                        <a:t>State Avg. Lines Per Load:</a:t>
-                      </a:r>
-                    </a:p>
-                  </a:txBody>
-                  <a:tcPr marL="6350" marR="6350" marT="6350" anchor="ctr"/>
-                </a:tc>
-                <a:tc>
-                  <a:txBody>
-                    <a:bodyPr/>
-                    <a:lstStyle/>
-                    <a:p>
-                      <a:pPr algn="ctr" fontAlgn="ctr"/>
-                      <a:r>
-                        <a:rPr lang="en-US" sz="1100" b="1" i="0" u="none" strike="noStrike">
-                          <a:solidFill>
-                            <a:srgbClr val="000000"/>
-                          </a:solidFill>
-                          <a:effectLst/>
-                          <a:latin typeface="Century Gothic" panose="020B0502020202020204" pitchFamily="34" charset="0"/>
-                        </a:rPr>
-                        <a:t>182</a:t>
-                      </a:r>
-                    </a:p>
-                  </a:txBody>
-                  <a:tcPr marL="6350" marR="6350" marT="6350" anchor="ctr"/>
-                </a:tc>
-                <a:extLst>
-                  <a:ext uri="{0D108BD9-81ED-4DB2-BD59-A6C34878D82A}">
-                    <a16:rowId xmlns:a16="http://schemas.microsoft.com/office/drawing/2014/main" val="855017627"/>
-                  </a:ext>
-                </a:extLst>
-              </a:tr>
-              <a:tr h="217906">
-                <a:tc>
-                  <a:txBody>
-                    <a:bodyPr/>
-                    <a:lstStyle/>
-                    <a:p>
-                      <a:pPr algn="l" fontAlgn="ctr"/>
-                      <a:r>
-                        <a:rPr lang="en-US" sz="1000" b="1" i="0" u="none" strike="noStrike" dirty="0">
-                          <a:solidFill>
-                            <a:srgbClr val="000000"/>
-                          </a:solidFill>
-                          <a:effectLst/>
-                          <a:latin typeface="Century Gothic" panose="020B0502020202020204" pitchFamily="34" charset="0"/>
-                        </a:rPr>
-                        <a:t>Avg. Cases Per Line:</a:t>
-                      </a:r>
-                    </a:p>
-                  </a:txBody>
-                  <a:tcPr marL="6350" marR="6350" marT="6350" anchor="ctr"/>
-                </a:tc>
-                <a:tc>
-                  <a:txBody>
-                    <a:bodyPr/>
-                    <a:lstStyle/>
-                    <a:p>
-                      <a:pPr algn="ctr" fontAlgn="ctr"/>
-                      <a:r>
-                        <a:rPr lang="en-US" sz="1100" b="1" i="0" u="none" strike="noStrike">
-                          <a:solidFill>
-                            <a:srgbClr val="000000"/>
-                          </a:solidFill>
-                          <a:effectLst/>
-                          <a:latin typeface="Century Gothic" panose="020B0502020202020204" pitchFamily="34" charset="0"/>
-                        </a:rPr>
-                        <a:t>9</a:t>
-                      </a:r>
-                    </a:p>
-                  </a:txBody>
-                  <a:tcPr marL="6350" marR="6350" marT="6350" anchor="ctr"/>
-                </a:tc>
-                <a:tc>
-                  <a:txBody>
-                    <a:bodyPr/>
-                    <a:lstStyle/>
-                    <a:p>
-                      <a:pPr algn="l" fontAlgn="ctr"/>
-                      <a:r>
-                        <a:rPr lang="en-US" sz="1000" b="1" i="0" u="none" strike="noStrike" dirty="0">
-                          <a:solidFill>
-                            <a:srgbClr val="000000"/>
-                          </a:solidFill>
-                          <a:effectLst/>
-                          <a:latin typeface="Century Gothic" panose="020B0502020202020204" pitchFamily="34" charset="0"/>
-                        </a:rPr>
-                        <a:t>State Avg. Cases Per Line:</a:t>
-                      </a:r>
-                    </a:p>
-                  </a:txBody>
-                  <a:tcPr marL="6350" marR="6350" marT="6350" anchor="ctr"/>
-                </a:tc>
-                <a:tc>
-                  <a:txBody>
-                    <a:bodyPr/>
-                    <a:lstStyle/>
-                    <a:p>
-                      <a:pPr algn="ctr" fontAlgn="ctr"/>
-                      <a:r>
-                        <a:rPr lang="en-US" sz="1100" b="1" i="0" u="none" strike="noStrike">
-                          <a:solidFill>
-                            <a:srgbClr val="000000"/>
-                          </a:solidFill>
-                          <a:effectLst/>
-                          <a:latin typeface="Century Gothic" panose="020B0502020202020204" pitchFamily="34" charset="0"/>
-                        </a:rPr>
-                        <a:t>9</a:t>
-                      </a:r>
-                    </a:p>
-                  </a:txBody>
-                  <a:tcPr marL="6350" marR="6350" marT="6350" anchor="ctr"/>
-                </a:tc>
-                <a:extLst>
-                  <a:ext uri="{0D108BD9-81ED-4DB2-BD59-A6C34878D82A}">
-                    <a16:rowId xmlns:a16="http://schemas.microsoft.com/office/drawing/2014/main" val="3949106260"/>
-                  </a:ext>
-                </a:extLst>
-              </a:tr>
-              <a:tr h="217906">
-                <a:tc>
-                  <a:txBody>
-                    <a:bodyPr/>
-                    <a:lstStyle/>
-                    <a:p>
-                      <a:pPr algn="l" fontAlgn="ctr"/>
-                      <a:r>
-                        <a:rPr lang="en-US" sz="1000" b="1" i="0" u="none" strike="noStrike" dirty="0">
-                          <a:solidFill>
-                            <a:srgbClr val="000000"/>
-                          </a:solidFill>
-                          <a:effectLst/>
-                          <a:latin typeface="Century Gothic" panose="020B0502020202020204" pitchFamily="34" charset="0"/>
-                        </a:rPr>
-                        <a:t>Avg. % Item Spread:</a:t>
-                      </a:r>
-                    </a:p>
-                  </a:txBody>
-                  <a:tcPr marL="6350" marR="6350" marT="6350" anchor="ctr"/>
-                </a:tc>
-                <a:tc>
-                  <a:txBody>
-                    <a:bodyPr/>
-                    <a:lstStyle/>
-                    <a:p>
-                      <a:pPr algn="ctr" fontAlgn="ctr"/>
-                      <a:r>
-                        <a:rPr lang="en-US" sz="1100" b="1" i="0" u="none" strike="noStrike" dirty="0">
-                          <a:solidFill>
-                            <a:srgbClr val="000000"/>
-                          </a:solidFill>
-                          <a:effectLst/>
-                          <a:latin typeface="Century Gothic" panose="020B0502020202020204" pitchFamily="34" charset="0"/>
-                        </a:rPr>
-                        <a:t>4%</a:t>
-                      </a:r>
-                    </a:p>
-                  </a:txBody>
-                  <a:tcPr marL="6350" marR="6350" marT="6350" anchor="ctr"/>
-                </a:tc>
-                <a:tc>
-                  <a:txBody>
-                    <a:bodyPr/>
-                    <a:lstStyle/>
-                    <a:p>
-                      <a:pPr algn="l" fontAlgn="ctr"/>
-                      <a:r>
-                        <a:rPr lang="en-US" sz="1000" b="1" i="0" u="none" strike="noStrike" dirty="0">
-                          <a:solidFill>
-                            <a:srgbClr val="000000"/>
-                          </a:solidFill>
-                          <a:effectLst/>
-                          <a:latin typeface="Century Gothic" panose="020B0502020202020204" pitchFamily="34" charset="0"/>
-                        </a:rPr>
-                        <a:t>State Avg. % Item Spread:</a:t>
-                      </a:r>
-                    </a:p>
-                  </a:txBody>
-                  <a:tcPr marL="6350" marR="6350" marT="6350" anchor="ctr"/>
-                </a:tc>
-                <a:tc>
-                  <a:txBody>
-                    <a:bodyPr/>
-                    <a:lstStyle/>
-                    <a:p>
-                      <a:pPr algn="ctr" fontAlgn="ctr"/>
-                      <a:r>
-                        <a:rPr lang="en-US" sz="1100" b="1" i="0" u="none" strike="noStrike" dirty="0">
-                          <a:solidFill>
-                            <a:srgbClr val="000000"/>
-                          </a:solidFill>
-                          <a:effectLst/>
-                          <a:latin typeface="Century Gothic" panose="020B0502020202020204" pitchFamily="34" charset="0"/>
-                        </a:rPr>
-                        <a:t>4%</a:t>
-                      </a:r>
-                    </a:p>
-                  </a:txBody>
-                  <a:tcPr marL="6350" marR="6350" marT="6350" anchor="ctr"/>
-                </a:tc>
-                <a:extLst>
-                  <a:ext uri="{0D108BD9-81ED-4DB2-BD59-A6C34878D82A}">
-                    <a16:rowId xmlns:a16="http://schemas.microsoft.com/office/drawing/2014/main" val="3674647269"/>
-                  </a:ext>
-                </a:extLst>
-              </a:tr>
-            </a:tbl>
-          </a:graphicData>
-        </a:graphic>
-      </p:graphicFrame>
-      <p:pic>
-        <p:nvPicPr>
-          <p:cNvPr id="2" name="Graphic 1" descr="Truck with solid fill">
-            <a:extLst>
-              <a:ext uri="{FF2B5EF4-FFF2-40B4-BE49-F238E27FC236}">
-                <a16:creationId xmlns:a16="http://schemas.microsoft.com/office/drawing/2014/main" id="{8A7F99B9-D8F1-AFCA-749E-0EB7FDE5A330}"/>
-              </a:ext>
-            </a:extLst>
-          </p:cNvPr>
-          <p:cNvPicPr>
-            <a:picLocks noChangeAspect="1"/>
-          </p:cNvPicPr>
-          <p:nvPr/>
-        </p:nvPicPr>
-        <p:blipFill>
-          <a:blip r:embed="rId5">
-            <a:extLst>
-              <a:ext uri="{96DAC541-7B7A-43D3-8B79-37D633B846F1}">
-                <asvg:svgBlip xmlns:asvg="http://schemas.microsoft.com/office/drawing/2016/SVG/main" r:embed="rId6"/>
-              </a:ext>
-            </a:extLst>
-          </a:blip>
-          <a:stretch>
-            <a:fillRect/>
-          </a:stretch>
-        </p:blipFill>
-        <p:spPr>
-          <a:xfrm>
-            <a:off x="2678545" y="-11612"/>
-            <a:ext cx="914400" cy="914400"/>
-          </a:xfrm>
-          <a:prstGeom prst="rect">
-            <a:avLst/>
-          </a:prstGeom>
-        </p:spPr>
-      </p:pic>
-      <p:sp>
-        <p:nvSpPr>
-          <p:cNvPr id="3" name="TextBox 2">
-            <a:extLst>
-              <a:ext uri="{FF2B5EF4-FFF2-40B4-BE49-F238E27FC236}">
-                <a16:creationId xmlns:a16="http://schemas.microsoft.com/office/drawing/2014/main" id="{09B701C9-3D94-0D93-5C89-F34DE0B03859}"/>
-              </a:ext>
-            </a:extLst>
-          </p:cNvPr>
-          <p:cNvSpPr txBox="1"/>
-          <p:nvPr/>
-        </p:nvSpPr>
-        <p:spPr>
-          <a:xfrm>
-            <a:off x="4429672" y="1334740"/>
-            <a:ext cx="1666327" cy="253916"/>
-          </a:xfrm>
-          <a:prstGeom prst="rect">
-            <a:avLst/>
-          </a:prstGeom>
-          <a:solidFill>
-            <a:schemeClr val="bg1"/>
-          </a:solidFill>
-          <a:ln>
-            <a:solidFill>
-              <a:schemeClr val="accent1">
-                <a:shade val="15000"/>
-              </a:schemeClr>
-            </a:solidFill>
-          </a:ln>
-        </p:spPr>
-        <p:txBody>
-          <a:bodyPr wrap="square" rtlCol="0">
-            <a:spAutoFit/>
-          </a:bodyPr>
-          <a:lstStyle/>
-          <a:p>
-            <a:r>
-              <a:rPr lang="en-US" sz="1050" i="1" dirty="0">
-                <a:latin typeface="Avenir Next Condensed" panose="020B0506020202020204" pitchFamily="34" charset="0"/>
-              </a:rPr>
-              <a:t>Customer #</a:t>
-            </a:r>
-          </a:p>
-        </p:txBody>
-      </p:sp>
-      <p:sp>
-        <p:nvSpPr>
-          <p:cNvPr id="6" name="TextBox 5">
-            <a:extLst>
-              <a:ext uri="{FF2B5EF4-FFF2-40B4-BE49-F238E27FC236}">
-                <a16:creationId xmlns:a16="http://schemas.microsoft.com/office/drawing/2014/main" id="{F8E448B7-7568-DE48-FF4A-BA7787E67E6B}"/>
-              </a:ext>
-            </a:extLst>
-          </p:cNvPr>
-          <p:cNvSpPr txBox="1"/>
-          <p:nvPr/>
-        </p:nvSpPr>
-        <p:spPr>
-          <a:xfrm>
-            <a:off x="6302742" y="1335760"/>
-            <a:ext cx="1666327" cy="253916"/>
-          </a:xfrm>
-          <a:prstGeom prst="rect">
-            <a:avLst/>
-          </a:prstGeom>
-          <a:solidFill>
-            <a:schemeClr val="bg1"/>
-          </a:solidFill>
-          <a:ln>
-            <a:solidFill>
-              <a:schemeClr val="accent1">
-                <a:shade val="15000"/>
-              </a:schemeClr>
-            </a:solidFill>
-          </a:ln>
-        </p:spPr>
-        <p:txBody>
-          <a:bodyPr wrap="square" rtlCol="0">
-            <a:spAutoFit/>
-          </a:bodyPr>
-          <a:lstStyle/>
-          <a:p>
-            <a:r>
-              <a:rPr lang="en-US" sz="1050" i="1" dirty="0">
-                <a:latin typeface="Avenir Next Condensed" panose="020B0506020202020204" pitchFamily="34" charset="0"/>
-              </a:rPr>
-              <a:t>Tier</a:t>
-            </a:r>
-          </a:p>
-        </p:txBody>
-      </p:sp>
-      <p:sp>
-        <p:nvSpPr>
-          <p:cNvPr id="16" name="TextBox 15">
-            <a:extLst>
-              <a:ext uri="{FF2B5EF4-FFF2-40B4-BE49-F238E27FC236}">
-                <a16:creationId xmlns:a16="http://schemas.microsoft.com/office/drawing/2014/main" id="{E5FEA273-CF5D-D4AB-DDF0-CD37FB6B65D3}"/>
-              </a:ext>
-            </a:extLst>
-          </p:cNvPr>
-          <p:cNvSpPr txBox="1"/>
-          <p:nvPr/>
-        </p:nvSpPr>
-        <p:spPr>
-          <a:xfrm>
-            <a:off x="8144119" y="1334740"/>
-            <a:ext cx="1666327" cy="253916"/>
-          </a:xfrm>
-          <a:prstGeom prst="rect">
-            <a:avLst/>
-          </a:prstGeom>
-          <a:solidFill>
-            <a:schemeClr val="bg1"/>
-          </a:solidFill>
-          <a:ln>
-            <a:solidFill>
-              <a:schemeClr val="accent1">
-                <a:shade val="15000"/>
-              </a:schemeClr>
-            </a:solidFill>
-          </a:ln>
-        </p:spPr>
-        <p:txBody>
-          <a:bodyPr wrap="square" rtlCol="0">
-            <a:spAutoFit/>
-          </a:bodyPr>
-          <a:lstStyle/>
-          <a:p>
-            <a:r>
-              <a:rPr lang="en-US" sz="1050" i="1" dirty="0">
-                <a:latin typeface="Avenir Next Condensed" panose="020B0506020202020204" pitchFamily="34" charset="0"/>
-              </a:rPr>
-              <a:t>State</a:t>
-            </a:r>
-          </a:p>
-        </p:txBody>
-      </p:sp>
-      <p:pic>
-        <p:nvPicPr>
-          <p:cNvPr id="7" name="Picture 6" descr="A map of the united states&#10;&#10;AI-generated content may be incorrect.">
-            <a:extLst>
-              <a:ext uri="{FF2B5EF4-FFF2-40B4-BE49-F238E27FC236}">
-                <a16:creationId xmlns:a16="http://schemas.microsoft.com/office/drawing/2014/main" id="{AC2A1CCF-2B95-6D31-4152-BFD8BC00BF72}"/>
-              </a:ext>
-            </a:extLst>
-          </p:cNvPr>
-          <p:cNvPicPr>
-            <a:picLocks noChangeAspect="1"/>
-          </p:cNvPicPr>
-          <p:nvPr/>
-        </p:nvPicPr>
-        <p:blipFill>
-          <a:blip r:embed="rId7"/>
-          <a:stretch>
-            <a:fillRect/>
-          </a:stretch>
-        </p:blipFill>
-        <p:spPr>
-          <a:xfrm>
-            <a:off x="2244780" y="4080789"/>
-            <a:ext cx="3438035" cy="2406624"/>
-          </a:xfrm>
-          <a:prstGeom prst="rect">
-            <a:avLst/>
-          </a:prstGeom>
-        </p:spPr>
-      </p:pic>
-      <p:pic>
-        <p:nvPicPr>
-          <p:cNvPr id="8" name="Picture 2">
-            <a:extLst>
-              <a:ext uri="{FF2B5EF4-FFF2-40B4-BE49-F238E27FC236}">
-                <a16:creationId xmlns:a16="http://schemas.microsoft.com/office/drawing/2014/main" id="{9E04CC0C-629F-0D65-BFDF-AA74997FAB8A}"/>
-              </a:ext>
-            </a:extLst>
-          </p:cNvPr>
-          <p:cNvPicPr>
-            <a:picLocks noChangeAspect="1" noChangeArrowheads="1"/>
-          </p:cNvPicPr>
-          <p:nvPr/>
-        </p:nvPicPr>
-        <p:blipFill>
-          <a:blip r:embed="rId8">
-            <a:extLst>
-              <a:ext uri="{28A0092B-C50C-407E-A947-70E740481C1C}">
-                <a14:useLocalDpi xmlns:a14="http://schemas.microsoft.com/office/drawing/2010/main" val="0"/>
-              </a:ext>
-            </a:extLst>
-          </a:blip>
-          <a:srcRect/>
-          <a:stretch>
-            <a:fillRect/>
-          </a:stretch>
-        </p:blipFill>
-        <p:spPr bwMode="auto">
-          <a:xfrm>
-            <a:off x="5936736" y="4192909"/>
-            <a:ext cx="3873710" cy="2203190"/>
-          </a:xfrm>
-          <a:prstGeom prst="rect">
-            <a:avLst/>
-          </a:prstGeom>
-          <a:noFill/>
-          <a:extLst>
-            <a:ext uri="{909E8E84-426E-40DD-AFC4-6F175D3DCCD1}">
-              <a14:hiddenFill xmlns:a14="http://schemas.microsoft.com/office/drawing/2010/main">
-                <a:solidFill>
-                  <a:srgbClr val="FFFFFF"/>
-                </a:solidFill>
-              </a14:hiddenFill>
-            </a:ext>
-          </a:extLst>
-        </p:spPr>
-      </p:pic>
-    </p:spTree>
-    <p:extLst>
-      <p:ext uri="{BB962C8B-B14F-4D97-AF65-F5344CB8AC3E}">
-        <p14:creationId xmlns:p14="http://schemas.microsoft.com/office/powerpoint/2010/main" val="2427492220"/>
-      </p:ext>
-    </p:extLst>
-  </p:cSld>
-  <p:clrMapOvr>
-    <a:masterClrMapping/>
-  </p:clrMapOvr>
-</p:sld>
-</file>
-
-<file path=ppt/slides/slide4.xml><?xml version="1.0" encoding="utf-8"?>
-<p:sld xmlns:a="http://schemas.openxmlformats.org/drawingml/2006/main" xmlns:r="http://schemas.openxmlformats.org/officeDocument/2006/relationships" xmlns:p="http://schemas.openxmlformats.org/presentationml/2006/main">
-  <p:cSld>
-    <p:spTree>
-      <p:nvGrpSpPr>
-        <p:cNvPr id="1" name="">
-          <a:extLst>
-            <a:ext uri="{FF2B5EF4-FFF2-40B4-BE49-F238E27FC236}">
-              <a16:creationId xmlns:a16="http://schemas.microsoft.com/office/drawing/2014/main" id="{584B0AF8-1FBA-579F-DA68-C4993B7CBB0C}"/>
-            </a:ext>
-          </a:extLst>
-        </p:cNvPr>
-        <p:cNvGrpSpPr/>
-        <p:nvPr/>
-      </p:nvGrpSpPr>
-      <p:grpSpPr>
-        <a:xfrm>
-          <a:off x="0" y="0"/>
-          <a:ext cx="0" cy="0"/>
-          <a:chOff x="0" y="0"/>
-          <a:chExt cx="0" cy="0"/>
-        </a:xfrm>
-      </p:grpSpPr>
-      <p:sp>
-        <p:nvSpPr>
-          <p:cNvPr id="5" name="Rectangle 4">
-            <a:extLst>
-              <a:ext uri="{FF2B5EF4-FFF2-40B4-BE49-F238E27FC236}">
-                <a16:creationId xmlns:a16="http://schemas.microsoft.com/office/drawing/2014/main" id="{C72B2926-A746-F179-79A3-883B00B24BE5}"/>
-              </a:ext>
-            </a:extLst>
-          </p:cNvPr>
-          <p:cNvSpPr/>
-          <p:nvPr/>
-        </p:nvSpPr>
-        <p:spPr>
-          <a:xfrm>
-            <a:off x="1946365" y="84908"/>
-            <a:ext cx="8299269" cy="6688183"/>
-          </a:xfrm>
-          <a:prstGeom prst="rect">
-            <a:avLst/>
-          </a:prstGeom>
-          <a:gradFill flip="none" rotWithShape="0">
-            <a:gsLst>
-              <a:gs pos="46000">
-                <a:schemeClr val="accent1">
-                  <a:lumMod val="5000"/>
-                  <a:lumOff val="95000"/>
-                </a:schemeClr>
-              </a:gs>
-              <a:gs pos="95000">
-                <a:schemeClr val="accent1">
-                  <a:lumMod val="45000"/>
-                  <a:lumOff val="55000"/>
-                </a:schemeClr>
-              </a:gs>
-              <a:gs pos="83000">
-                <a:schemeClr val="accent1">
-                  <a:lumMod val="45000"/>
-                  <a:lumOff val="55000"/>
-                </a:schemeClr>
-              </a:gs>
-              <a:gs pos="100000">
-                <a:schemeClr val="accent1">
-                  <a:lumMod val="30000"/>
-                  <a:lumOff val="70000"/>
-                </a:schemeClr>
-              </a:gs>
-            </a:gsLst>
-            <a:lin ang="5400000" scaled="0"/>
-            <a:tileRect/>
-          </a:gradFill>
-        </p:spPr>
-        <p:style>
-          <a:lnRef idx="2">
-            <a:schemeClr val="accent1">
-              <a:shade val="15000"/>
-            </a:schemeClr>
-          </a:lnRef>
-          <a:fillRef idx="1">
-            <a:schemeClr val="accent1"/>
-          </a:fillRef>
-          <a:effectRef idx="0">
-            <a:schemeClr val="accent1"/>
-          </a:effectRef>
-          <a:fontRef idx="minor">
-            <a:schemeClr val="lt1"/>
-          </a:fontRef>
-        </p:style>
-        <p:txBody>
-          <a:bodyPr rtlCol="0" anchor="ctr"/>
-          <a:lstStyle/>
-          <a:p>
-            <a:pPr algn="ctr"/>
-            <a:endParaRPr lang="en-US" dirty="0"/>
-          </a:p>
-        </p:txBody>
-      </p:sp>
-      <p:graphicFrame>
-        <p:nvGraphicFramePr>
-          <p:cNvPr id="4" name="Table 3">
-            <a:extLst>
-              <a:ext uri="{FF2B5EF4-FFF2-40B4-BE49-F238E27FC236}">
-                <a16:creationId xmlns:a16="http://schemas.microsoft.com/office/drawing/2014/main" id="{926F73CB-6217-03AD-D1C6-D56198E49AE3}"/>
-              </a:ext>
-            </a:extLst>
-          </p:cNvPr>
-          <p:cNvGraphicFramePr>
-            <a:graphicFrameLocks noGrp="1"/>
-          </p:cNvGraphicFramePr>
-          <p:nvPr>
-            <p:extLst>
-              <p:ext uri="{D42A27DB-BD31-4B8C-83A1-F6EECF244321}">
-                <p14:modId xmlns:p14="http://schemas.microsoft.com/office/powerpoint/2010/main" val="3420695435"/>
-              </p:ext>
-            </p:extLst>
-          </p:nvPr>
-        </p:nvGraphicFramePr>
-        <p:xfrm>
-          <a:off x="2032000" y="719666"/>
-          <a:ext cx="8128000" cy="370840"/>
-        </p:xfrm>
-        <a:graphic>
-          <a:graphicData uri="http://schemas.openxmlformats.org/drawingml/2006/table">
-            <a:tbl>
-              <a:tblPr firstRow="1" bandRow="1">
-                <a:tableStyleId>{5C22544A-7EE6-4342-B048-85BDC9FD1C3A}</a:tableStyleId>
-              </a:tblPr>
-              <a:tblGrid>
-                <a:gridCol w="2032000">
-                  <a:extLst>
-                    <a:ext uri="{9D8B030D-6E8A-4147-A177-3AD203B41FA5}">
-                      <a16:colId xmlns:a16="http://schemas.microsoft.com/office/drawing/2014/main" val="3688566538"/>
-                    </a:ext>
-                  </a:extLst>
-                </a:gridCol>
-                <a:gridCol w="2032000">
-                  <a:extLst>
-                    <a:ext uri="{9D8B030D-6E8A-4147-A177-3AD203B41FA5}">
-                      <a16:colId xmlns:a16="http://schemas.microsoft.com/office/drawing/2014/main" val="2589988850"/>
-                    </a:ext>
-                  </a:extLst>
-                </a:gridCol>
-                <a:gridCol w="2032000">
-                  <a:extLst>
-                    <a:ext uri="{9D8B030D-6E8A-4147-A177-3AD203B41FA5}">
-                      <a16:colId xmlns:a16="http://schemas.microsoft.com/office/drawing/2014/main" val="1751696468"/>
-                    </a:ext>
-                  </a:extLst>
-                </a:gridCol>
-                <a:gridCol w="2032000">
-                  <a:extLst>
-                    <a:ext uri="{9D8B030D-6E8A-4147-A177-3AD203B41FA5}">
-                      <a16:colId xmlns:a16="http://schemas.microsoft.com/office/drawing/2014/main" val="3393898582"/>
-                    </a:ext>
-                  </a:extLst>
-                </a:gridCol>
-              </a:tblGrid>
-              <a:tr h="370840">
-                <a:tc>
-                  <a:txBody>
-                    <a:bodyPr/>
-                    <a:lstStyle/>
-                    <a:p>
-                      <a:pPr algn="ctr"/>
-                      <a:r>
-                        <a:rPr lang="en-US" dirty="0"/>
-                        <a:t>Company</a:t>
-                      </a:r>
-                    </a:p>
-                  </a:txBody>
-                  <a:tcPr>
-                    <a:lnL w="12700" cap="flat" cmpd="sng" algn="ctr">
-                      <a:solidFill>
-                        <a:schemeClr val="tx1"/>
-                      </a:solidFill>
-                      <a:prstDash val="solid"/>
-                      <a:round/>
-                      <a:headEnd type="none" w="med" len="med"/>
-                      <a:tailEnd type="none" w="med" len="med"/>
-                    </a:lnL>
-                    <a:lnR w="12700" cap="flat" cmpd="sng" algn="ctr">
-                      <a:solidFill>
-                        <a:schemeClr val="tx1"/>
-                      </a:solidFill>
-                      <a:prstDash val="solid"/>
-                      <a:round/>
-                      <a:headEnd type="none" w="med" len="med"/>
-                      <a:tailEnd type="none" w="med" len="med"/>
-                    </a:lnR>
-                    <a:lnT w="12700" cap="flat" cmpd="sng" algn="ctr">
-                      <a:solidFill>
-                        <a:schemeClr val="tx1"/>
-                      </a:solidFill>
-                      <a:prstDash val="solid"/>
-                      <a:round/>
-                      <a:headEnd type="none" w="med" len="med"/>
-                      <a:tailEnd type="none" w="med" len="med"/>
-                    </a:lnT>
-                    <a:lnB w="12700" cap="flat" cmpd="sng" algn="ctr">
-                      <a:solidFill>
-                        <a:schemeClr val="tx1"/>
-                      </a:solidFill>
-                      <a:prstDash val="solid"/>
-                      <a:round/>
-                      <a:headEnd type="none" w="med" len="med"/>
-                      <a:tailEnd type="none" w="med" len="med"/>
-                    </a:lnB>
-                    <a:lnTlToBr w="12700" cmpd="sng">
-                      <a:noFill/>
-                      <a:prstDash val="solid"/>
-                    </a:lnTlToBr>
-                    <a:lnBlToTr w="12700" cmpd="sng">
-                      <a:noFill/>
-                      <a:prstDash val="solid"/>
-                    </a:lnBlToTr>
-                    <a:solidFill>
-                      <a:srgbClr val="E97132"/>
-                    </a:solidFill>
-                  </a:tcPr>
-                </a:tc>
-                <a:tc>
-                  <a:txBody>
-                    <a:bodyPr/>
-                    <a:lstStyle/>
-                    <a:p>
-                      <a:pPr algn="ctr"/>
-                      <a:r>
-                        <a:rPr lang="en-US" dirty="0"/>
-                        <a:t>Tier Analysis</a:t>
-                      </a:r>
-                    </a:p>
-                  </a:txBody>
-                  <a:tcPr>
-                    <a:lnL w="12700" cap="flat" cmpd="sng" algn="ctr">
-                      <a:solidFill>
-                        <a:schemeClr val="tx1"/>
-                      </a:solidFill>
-                      <a:prstDash val="solid"/>
-                      <a:round/>
-                      <a:headEnd type="none" w="med" len="med"/>
-                      <a:tailEnd type="none" w="med" len="med"/>
-                    </a:lnL>
-                    <a:lnR w="12700" cap="flat" cmpd="sng" algn="ctr">
-                      <a:solidFill>
-                        <a:schemeClr val="tx1"/>
-                      </a:solidFill>
-                      <a:prstDash val="solid"/>
-                      <a:round/>
-                      <a:headEnd type="none" w="med" len="med"/>
-                      <a:tailEnd type="none" w="med" len="med"/>
-                    </a:lnR>
-                    <a:lnT w="12700" cap="flat" cmpd="sng" algn="ctr">
-                      <a:solidFill>
-                        <a:schemeClr val="tx1"/>
-                      </a:solidFill>
-                      <a:prstDash val="solid"/>
-                      <a:round/>
-                      <a:headEnd type="none" w="med" len="med"/>
-                      <a:tailEnd type="none" w="med" len="med"/>
-                    </a:lnT>
-                    <a:lnB w="12700" cap="flat" cmpd="sng" algn="ctr">
-                      <a:solidFill>
-                        <a:schemeClr val="tx1"/>
-                      </a:solidFill>
-                      <a:prstDash val="solid"/>
-                      <a:round/>
-                      <a:headEnd type="none" w="med" len="med"/>
-                      <a:tailEnd type="none" w="med" len="med"/>
-                    </a:lnB>
-                    <a:lnTlToBr w="12700" cmpd="sng">
-                      <a:noFill/>
-                      <a:prstDash val="solid"/>
-                    </a:lnTlToBr>
-                    <a:lnBlToTr w="12700" cmpd="sng">
-                      <a:noFill/>
-                      <a:prstDash val="solid"/>
-                    </a:lnBlToTr>
-                    <a:solidFill>
-                      <a:schemeClr val="accent2"/>
-                    </a:solidFill>
-                  </a:tcPr>
-                </a:tc>
-                <a:tc>
-                  <a:txBody>
-                    <a:bodyPr/>
-                    <a:lstStyle/>
-                    <a:p>
-                      <a:pPr algn="ctr"/>
-                      <a:r>
-                        <a:rPr lang="en-US" dirty="0"/>
-                        <a:t>Geographic</a:t>
-                      </a:r>
+                      <a:endParaRPr lang="en-US" dirty="0"/>
                     </a:p>
                   </a:txBody>
                   <a:tcPr>
@@ -11314,713 +10227,6 @@
           </a:p>
         </p:txBody>
       </p:sp>
-      <p:graphicFrame>
-        <p:nvGraphicFramePr>
-          <p:cNvPr id="15" name="Table 14">
-            <a:extLst>
-              <a:ext uri="{FF2B5EF4-FFF2-40B4-BE49-F238E27FC236}">
-                <a16:creationId xmlns:a16="http://schemas.microsoft.com/office/drawing/2014/main" id="{42457D97-AFA6-6263-8FD8-EE9272D594DE}"/>
-              </a:ext>
-            </a:extLst>
-          </p:cNvPr>
-          <p:cNvGraphicFramePr>
-            <a:graphicFrameLocks noGrp="1"/>
-          </p:cNvGraphicFramePr>
-          <p:nvPr/>
-        </p:nvGraphicFramePr>
-        <p:xfrm>
-          <a:off x="2314865" y="2231875"/>
-          <a:ext cx="7538720" cy="1673326"/>
-        </p:xfrm>
-        <a:graphic>
-          <a:graphicData uri="http://schemas.openxmlformats.org/drawingml/2006/table">
-            <a:tbl>
-              <a:tblPr firstRow="1" bandRow="1">
-                <a:tableStyleId>{69CF1AB2-1976-4502-BF36-3FF5EA218861}</a:tableStyleId>
-              </a:tblPr>
-              <a:tblGrid>
-                <a:gridCol w="1884680">
-                  <a:extLst>
-                    <a:ext uri="{9D8B030D-6E8A-4147-A177-3AD203B41FA5}">
-                      <a16:colId xmlns:a16="http://schemas.microsoft.com/office/drawing/2014/main" val="135541221"/>
-                    </a:ext>
-                  </a:extLst>
-                </a:gridCol>
-                <a:gridCol w="1884680">
-                  <a:extLst>
-                    <a:ext uri="{9D8B030D-6E8A-4147-A177-3AD203B41FA5}">
-                      <a16:colId xmlns:a16="http://schemas.microsoft.com/office/drawing/2014/main" val="866926161"/>
-                    </a:ext>
-                  </a:extLst>
-                </a:gridCol>
-                <a:gridCol w="1884680">
-                  <a:extLst>
-                    <a:ext uri="{9D8B030D-6E8A-4147-A177-3AD203B41FA5}">
-                      <a16:colId xmlns:a16="http://schemas.microsoft.com/office/drawing/2014/main" val="42548675"/>
-                    </a:ext>
-                  </a:extLst>
-                </a:gridCol>
-                <a:gridCol w="1884680">
-                  <a:extLst>
-                    <a:ext uri="{9D8B030D-6E8A-4147-A177-3AD203B41FA5}">
-                      <a16:colId xmlns:a16="http://schemas.microsoft.com/office/drawing/2014/main" val="2435147005"/>
-                    </a:ext>
-                  </a:extLst>
-                </a:gridCol>
-              </a:tblGrid>
-              <a:tr h="288677">
-                <a:tc>
-                  <a:txBody>
-                    <a:bodyPr/>
-                    <a:lstStyle/>
-                    <a:p>
-                      <a:pPr algn="l" fontAlgn="ctr"/>
-                      <a:r>
-                        <a:rPr lang="en-US" sz="1000" b="1" i="0" u="none" strike="noStrike" dirty="0">
-                          <a:solidFill>
-                            <a:srgbClr val="000000"/>
-                          </a:solidFill>
-                          <a:effectLst/>
-                          <a:latin typeface="Century Gothic" panose="020B0502020202020204" pitchFamily="34" charset="0"/>
-                        </a:rPr>
-                        <a:t>Avg. Time On Dock (in hours):</a:t>
-                      </a:r>
-                    </a:p>
-                  </a:txBody>
-                  <a:tcPr marL="6350" marR="6350" marT="6350" anchor="ctr"/>
-                </a:tc>
-                <a:tc>
-                  <a:txBody>
-                    <a:bodyPr/>
-                    <a:lstStyle/>
-                    <a:p>
-                      <a:pPr algn="ctr" fontAlgn="ctr"/>
-                      <a:r>
-                        <a:rPr lang="en-US" sz="1000" b="1" i="0" u="none" strike="noStrike">
-                          <a:solidFill>
-                            <a:srgbClr val="000000"/>
-                          </a:solidFill>
-                          <a:effectLst/>
-                          <a:latin typeface="Century Gothic" panose="020B0502020202020204" pitchFamily="34" charset="0"/>
-                        </a:rPr>
-                        <a:t>3</a:t>
-                      </a:r>
-                    </a:p>
-                  </a:txBody>
-                  <a:tcPr marL="6350" marR="6350" marT="6350" anchor="ctr"/>
-                </a:tc>
-                <a:tc>
-                  <a:txBody>
-                    <a:bodyPr/>
-                    <a:lstStyle/>
-                    <a:p>
-                      <a:pPr algn="l" fontAlgn="ctr"/>
-                      <a:r>
-                        <a:rPr lang="en-US" sz="1000" b="1" i="0" u="none" strike="noStrike" dirty="0">
-                          <a:solidFill>
-                            <a:srgbClr val="000000"/>
-                          </a:solidFill>
-                          <a:effectLst/>
-                          <a:latin typeface="Century Gothic" panose="020B0502020202020204" pitchFamily="34" charset="0"/>
-                        </a:rPr>
-                        <a:t>State Avg. Time On Dock (in hours):</a:t>
-                      </a:r>
-                    </a:p>
-                  </a:txBody>
-                  <a:tcPr marL="6350" marR="6350" marT="6350" anchor="ctr"/>
-                </a:tc>
-                <a:tc>
-                  <a:txBody>
-                    <a:bodyPr/>
-                    <a:lstStyle/>
-                    <a:p>
-                      <a:pPr algn="ctr" fontAlgn="ctr"/>
-                      <a:r>
-                        <a:rPr lang="en-US" sz="1000" b="1" i="0" u="none" strike="noStrike" dirty="0">
-                          <a:solidFill>
-                            <a:srgbClr val="000000"/>
-                          </a:solidFill>
-                          <a:effectLst/>
-                          <a:latin typeface="Century Gothic" panose="020B0502020202020204" pitchFamily="34" charset="0"/>
-                        </a:rPr>
-                        <a:t>3</a:t>
-                      </a:r>
-                    </a:p>
-                  </a:txBody>
-                  <a:tcPr marL="6350" marR="6350" marT="6350" anchor="ctr"/>
-                </a:tc>
-                <a:extLst>
-                  <a:ext uri="{0D108BD9-81ED-4DB2-BD59-A6C34878D82A}">
-                    <a16:rowId xmlns:a16="http://schemas.microsoft.com/office/drawing/2014/main" val="3634916419"/>
-                  </a:ext>
-                </a:extLst>
-              </a:tr>
-              <a:tr h="217906">
-                <a:tc>
-                  <a:txBody>
-                    <a:bodyPr/>
-                    <a:lstStyle/>
-                    <a:p>
-                      <a:pPr algn="l" fontAlgn="ctr"/>
-                      <a:r>
-                        <a:rPr lang="en-US" sz="1000" b="1" i="0" u="none" strike="noStrike" dirty="0">
-                          <a:solidFill>
-                            <a:srgbClr val="000000"/>
-                          </a:solidFill>
-                          <a:effectLst/>
-                          <a:latin typeface="Century Gothic" panose="020B0502020202020204" pitchFamily="34" charset="0"/>
-                        </a:rPr>
-                        <a:t>Avg. </a:t>
-                      </a:r>
-                      <a:r>
-                        <a:rPr lang="en-US" sz="1000" b="1" i="0" u="none" strike="noStrike" dirty="0" err="1">
-                          <a:solidFill>
-                            <a:srgbClr val="000000"/>
-                          </a:solidFill>
-                          <a:effectLst/>
-                          <a:latin typeface="Century Gothic" panose="020B0502020202020204" pitchFamily="34" charset="0"/>
-                        </a:rPr>
-                        <a:t>Lbs</a:t>
-                      </a:r>
-                      <a:r>
-                        <a:rPr lang="en-US" sz="1000" b="1" i="0" u="none" strike="noStrike" dirty="0">
-                          <a:solidFill>
-                            <a:srgbClr val="000000"/>
-                          </a:solidFill>
-                          <a:effectLst/>
-                          <a:latin typeface="Century Gothic" panose="020B0502020202020204" pitchFamily="34" charset="0"/>
-                        </a:rPr>
-                        <a:t> Per Period:</a:t>
-                      </a:r>
-                    </a:p>
-                  </a:txBody>
-                  <a:tcPr marL="6350" marR="6350" marT="6350" anchor="ctr"/>
-                </a:tc>
-                <a:tc>
-                  <a:txBody>
-                    <a:bodyPr/>
-                    <a:lstStyle/>
-                    <a:p>
-                      <a:pPr algn="ctr" fontAlgn="ctr"/>
-                      <a:r>
-                        <a:rPr lang="en-US" sz="1000" b="1" i="0" u="none" strike="noStrike">
-                          <a:solidFill>
-                            <a:srgbClr val="000000"/>
-                          </a:solidFill>
-                          <a:effectLst/>
-                          <a:latin typeface="Century Gothic" panose="020B0502020202020204" pitchFamily="34" charset="0"/>
-                        </a:rPr>
-                        <a:t>311,500</a:t>
-                      </a:r>
-                    </a:p>
-                  </a:txBody>
-                  <a:tcPr marL="6350" marR="6350" marT="6350" anchor="ctr"/>
-                </a:tc>
-                <a:tc>
-                  <a:txBody>
-                    <a:bodyPr/>
-                    <a:lstStyle/>
-                    <a:p>
-                      <a:pPr algn="l" fontAlgn="ctr"/>
-                      <a:r>
-                        <a:rPr lang="en-US" sz="1000" b="1" i="0" u="none" strike="noStrike" dirty="0">
-                          <a:solidFill>
-                            <a:srgbClr val="000000"/>
-                          </a:solidFill>
-                          <a:effectLst/>
-                          <a:latin typeface="Century Gothic" panose="020B0502020202020204" pitchFamily="34" charset="0"/>
-                        </a:rPr>
-                        <a:t>State Avg. </a:t>
-                      </a:r>
-                      <a:r>
-                        <a:rPr lang="en-US" sz="1000" b="1" i="0" u="none" strike="noStrike" dirty="0" err="1">
-                          <a:solidFill>
-                            <a:srgbClr val="000000"/>
-                          </a:solidFill>
-                          <a:effectLst/>
-                          <a:latin typeface="Century Gothic" panose="020B0502020202020204" pitchFamily="34" charset="0"/>
-                        </a:rPr>
-                        <a:t>Lbs</a:t>
-                      </a:r>
-                      <a:r>
-                        <a:rPr lang="en-US" sz="1000" b="1" i="0" u="none" strike="noStrike" dirty="0">
-                          <a:solidFill>
-                            <a:srgbClr val="000000"/>
-                          </a:solidFill>
-                          <a:effectLst/>
-                          <a:latin typeface="Century Gothic" panose="020B0502020202020204" pitchFamily="34" charset="0"/>
-                        </a:rPr>
-                        <a:t> Per Period:</a:t>
-                      </a:r>
-                    </a:p>
-                  </a:txBody>
-                  <a:tcPr marL="6350" marR="6350" marT="6350" anchor="ctr"/>
-                </a:tc>
-                <a:tc>
-                  <a:txBody>
-                    <a:bodyPr/>
-                    <a:lstStyle/>
-                    <a:p>
-                      <a:pPr algn="ctr" fontAlgn="ctr"/>
-                      <a:r>
-                        <a:rPr lang="en-US" sz="1000" b="1" i="0" u="none" strike="noStrike">
-                          <a:solidFill>
-                            <a:srgbClr val="000000"/>
-                          </a:solidFill>
-                          <a:effectLst/>
-                          <a:latin typeface="Century Gothic" panose="020B0502020202020204" pitchFamily="34" charset="0"/>
-                        </a:rPr>
-                        <a:t>311,500</a:t>
-                      </a:r>
-                    </a:p>
-                  </a:txBody>
-                  <a:tcPr marL="6350" marR="6350" marT="6350" anchor="ctr"/>
-                </a:tc>
-                <a:extLst>
-                  <a:ext uri="{0D108BD9-81ED-4DB2-BD59-A6C34878D82A}">
-                    <a16:rowId xmlns:a16="http://schemas.microsoft.com/office/drawing/2014/main" val="401715167"/>
-                  </a:ext>
-                </a:extLst>
-              </a:tr>
-              <a:tr h="217906">
-                <a:tc>
-                  <a:txBody>
-                    <a:bodyPr/>
-                    <a:lstStyle/>
-                    <a:p>
-                      <a:pPr algn="l" fontAlgn="ctr"/>
-                      <a:r>
-                        <a:rPr lang="en-US" sz="1000" b="1" i="0" u="none" strike="noStrike" dirty="0">
-                          <a:solidFill>
-                            <a:srgbClr val="000000"/>
-                          </a:solidFill>
-                          <a:effectLst/>
-                          <a:latin typeface="Century Gothic" panose="020B0502020202020204" pitchFamily="34" charset="0"/>
-                        </a:rPr>
-                        <a:t>Avg. # Of POs Per Load:</a:t>
-                      </a:r>
-                    </a:p>
-                  </a:txBody>
-                  <a:tcPr marL="6350" marR="6350" marT="6350" anchor="ctr"/>
-                </a:tc>
-                <a:tc>
-                  <a:txBody>
-                    <a:bodyPr/>
-                    <a:lstStyle/>
-                    <a:p>
-                      <a:pPr algn="ctr" fontAlgn="ctr"/>
-                      <a:r>
-                        <a:rPr lang="en-US" sz="1100" b="1" i="0" u="none" strike="noStrike">
-                          <a:solidFill>
-                            <a:srgbClr val="000000"/>
-                          </a:solidFill>
-                          <a:effectLst/>
-                          <a:latin typeface="Century Gothic" panose="020B0502020202020204" pitchFamily="34" charset="0"/>
-                        </a:rPr>
-                        <a:t>2.9</a:t>
-                      </a:r>
-                    </a:p>
-                  </a:txBody>
-                  <a:tcPr marL="6350" marR="6350" marT="6350" anchor="ctr"/>
-                </a:tc>
-                <a:tc>
-                  <a:txBody>
-                    <a:bodyPr/>
-                    <a:lstStyle/>
-                    <a:p>
-                      <a:pPr algn="l" fontAlgn="ctr"/>
-                      <a:r>
-                        <a:rPr lang="en-US" sz="1000" b="1" i="0" u="none" strike="noStrike" dirty="0">
-                          <a:solidFill>
-                            <a:srgbClr val="000000"/>
-                          </a:solidFill>
-                          <a:effectLst/>
-                          <a:latin typeface="Century Gothic" panose="020B0502020202020204" pitchFamily="34" charset="0"/>
-                        </a:rPr>
-                        <a:t>State Avg. # Of POs Per Load:</a:t>
-                      </a:r>
-                    </a:p>
-                  </a:txBody>
-                  <a:tcPr marL="6350" marR="6350" marT="6350" anchor="ctr"/>
-                </a:tc>
-                <a:tc>
-                  <a:txBody>
-                    <a:bodyPr/>
-                    <a:lstStyle/>
-                    <a:p>
-                      <a:pPr algn="ctr" fontAlgn="ctr"/>
-                      <a:r>
-                        <a:rPr lang="en-US" sz="1100" b="1" i="0" u="none" strike="noStrike">
-                          <a:solidFill>
-                            <a:srgbClr val="000000"/>
-                          </a:solidFill>
-                          <a:effectLst/>
-                          <a:latin typeface="Century Gothic" panose="020B0502020202020204" pitchFamily="34" charset="0"/>
-                        </a:rPr>
-                        <a:t>2.9</a:t>
-                      </a:r>
-                    </a:p>
-                  </a:txBody>
-                  <a:tcPr marL="6350" marR="6350" marT="6350" anchor="ctr"/>
-                </a:tc>
-                <a:extLst>
-                  <a:ext uri="{0D108BD9-81ED-4DB2-BD59-A6C34878D82A}">
-                    <a16:rowId xmlns:a16="http://schemas.microsoft.com/office/drawing/2014/main" val="3722360197"/>
-                  </a:ext>
-                </a:extLst>
-              </a:tr>
-              <a:tr h="217906">
-                <a:tc>
-                  <a:txBody>
-                    <a:bodyPr/>
-                    <a:lstStyle/>
-                    <a:p>
-                      <a:pPr algn="l" fontAlgn="ctr"/>
-                      <a:r>
-                        <a:rPr lang="en-US" sz="1000" b="1" i="0" u="none" strike="noStrike" dirty="0">
-                          <a:solidFill>
-                            <a:srgbClr val="000000"/>
-                          </a:solidFill>
-                          <a:effectLst/>
-                          <a:latin typeface="Century Gothic" panose="020B0502020202020204" pitchFamily="34" charset="0"/>
-                        </a:rPr>
-                        <a:t>Avg. Cases Per Load:</a:t>
-                      </a:r>
-                    </a:p>
-                  </a:txBody>
-                  <a:tcPr marL="6350" marR="6350" marT="6350" anchor="ctr"/>
-                </a:tc>
-                <a:tc>
-                  <a:txBody>
-                    <a:bodyPr/>
-                    <a:lstStyle/>
-                    <a:p>
-                      <a:pPr algn="ctr" fontAlgn="ctr"/>
-                      <a:r>
-                        <a:rPr lang="en-US" sz="1100" b="1" i="0" u="none" strike="noStrike">
-                          <a:solidFill>
-                            <a:srgbClr val="000000"/>
-                          </a:solidFill>
-                          <a:effectLst/>
-                          <a:latin typeface="Century Gothic" panose="020B0502020202020204" pitchFamily="34" charset="0"/>
-                        </a:rPr>
-                        <a:t>1,684</a:t>
-                      </a:r>
-                    </a:p>
-                  </a:txBody>
-                  <a:tcPr marL="6350" marR="6350" marT="6350" anchor="ctr"/>
-                </a:tc>
-                <a:tc>
-                  <a:txBody>
-                    <a:bodyPr/>
-                    <a:lstStyle/>
-                    <a:p>
-                      <a:pPr algn="l" fontAlgn="ctr"/>
-                      <a:r>
-                        <a:rPr lang="en-US" sz="1000" b="1" i="0" u="none" strike="noStrike" dirty="0">
-                          <a:solidFill>
-                            <a:srgbClr val="000000"/>
-                          </a:solidFill>
-                          <a:effectLst/>
-                          <a:latin typeface="Century Gothic" panose="020B0502020202020204" pitchFamily="34" charset="0"/>
-                        </a:rPr>
-                        <a:t>State Avg. Cases Per Load:</a:t>
-                      </a:r>
-                    </a:p>
-                  </a:txBody>
-                  <a:tcPr marL="6350" marR="6350" marT="6350" anchor="ctr"/>
-                </a:tc>
-                <a:tc>
-                  <a:txBody>
-                    <a:bodyPr/>
-                    <a:lstStyle/>
-                    <a:p>
-                      <a:pPr algn="ctr" fontAlgn="ctr"/>
-                      <a:r>
-                        <a:rPr lang="en-US" sz="1100" b="1" i="0" u="none" strike="noStrike">
-                          <a:solidFill>
-                            <a:srgbClr val="000000"/>
-                          </a:solidFill>
-                          <a:effectLst/>
-                          <a:latin typeface="Century Gothic" panose="020B0502020202020204" pitchFamily="34" charset="0"/>
-                        </a:rPr>
-                        <a:t>1,684</a:t>
-                      </a:r>
-                    </a:p>
-                  </a:txBody>
-                  <a:tcPr marL="6350" marR="6350" marT="6350" anchor="ctr"/>
-                </a:tc>
-                <a:extLst>
-                  <a:ext uri="{0D108BD9-81ED-4DB2-BD59-A6C34878D82A}">
-                    <a16:rowId xmlns:a16="http://schemas.microsoft.com/office/drawing/2014/main" val="1357843466"/>
-                  </a:ext>
-                </a:extLst>
-              </a:tr>
-              <a:tr h="217906">
-                <a:tc>
-                  <a:txBody>
-                    <a:bodyPr/>
-                    <a:lstStyle/>
-                    <a:p>
-                      <a:pPr algn="l" fontAlgn="ctr"/>
-                      <a:r>
-                        <a:rPr lang="en-US" sz="1000" b="1" i="0" u="none" strike="noStrike" dirty="0">
-                          <a:solidFill>
-                            <a:srgbClr val="000000"/>
-                          </a:solidFill>
-                          <a:effectLst/>
-                          <a:latin typeface="Century Gothic" panose="020B0502020202020204" pitchFamily="34" charset="0"/>
-                        </a:rPr>
-                        <a:t>Avg. Lines Per Load:</a:t>
-                      </a:r>
-                    </a:p>
-                  </a:txBody>
-                  <a:tcPr marL="6350" marR="6350" marT="6350" anchor="ctr"/>
-                </a:tc>
-                <a:tc>
-                  <a:txBody>
-                    <a:bodyPr/>
-                    <a:lstStyle/>
-                    <a:p>
-                      <a:pPr algn="ctr" fontAlgn="ctr"/>
-                      <a:r>
-                        <a:rPr lang="en-US" sz="1100" b="1" i="0" u="none" strike="noStrike">
-                          <a:solidFill>
-                            <a:srgbClr val="000000"/>
-                          </a:solidFill>
-                          <a:effectLst/>
-                          <a:latin typeface="Century Gothic" panose="020B0502020202020204" pitchFamily="34" charset="0"/>
-                        </a:rPr>
-                        <a:t>182</a:t>
-                      </a:r>
-                    </a:p>
-                  </a:txBody>
-                  <a:tcPr marL="6350" marR="6350" marT="6350" anchor="ctr"/>
-                </a:tc>
-                <a:tc>
-                  <a:txBody>
-                    <a:bodyPr/>
-                    <a:lstStyle/>
-                    <a:p>
-                      <a:pPr algn="l" fontAlgn="ctr"/>
-                      <a:r>
-                        <a:rPr lang="en-US" sz="1000" b="1" i="0" u="none" strike="noStrike" dirty="0">
-                          <a:solidFill>
-                            <a:srgbClr val="000000"/>
-                          </a:solidFill>
-                          <a:effectLst/>
-                          <a:latin typeface="Century Gothic" panose="020B0502020202020204" pitchFamily="34" charset="0"/>
-                        </a:rPr>
-                        <a:t>State Avg. Lines Per Load:</a:t>
-                      </a:r>
-                    </a:p>
-                  </a:txBody>
-                  <a:tcPr marL="6350" marR="6350" marT="6350" anchor="ctr"/>
-                </a:tc>
-                <a:tc>
-                  <a:txBody>
-                    <a:bodyPr/>
-                    <a:lstStyle/>
-                    <a:p>
-                      <a:pPr algn="ctr" fontAlgn="ctr"/>
-                      <a:r>
-                        <a:rPr lang="en-US" sz="1100" b="1" i="0" u="none" strike="noStrike">
-                          <a:solidFill>
-                            <a:srgbClr val="000000"/>
-                          </a:solidFill>
-                          <a:effectLst/>
-                          <a:latin typeface="Century Gothic" panose="020B0502020202020204" pitchFamily="34" charset="0"/>
-                        </a:rPr>
-                        <a:t>182</a:t>
-                      </a:r>
-                    </a:p>
-                  </a:txBody>
-                  <a:tcPr marL="6350" marR="6350" marT="6350" anchor="ctr"/>
-                </a:tc>
-                <a:extLst>
-                  <a:ext uri="{0D108BD9-81ED-4DB2-BD59-A6C34878D82A}">
-                    <a16:rowId xmlns:a16="http://schemas.microsoft.com/office/drawing/2014/main" val="855017627"/>
-                  </a:ext>
-                </a:extLst>
-              </a:tr>
-              <a:tr h="217906">
-                <a:tc>
-                  <a:txBody>
-                    <a:bodyPr/>
-                    <a:lstStyle/>
-                    <a:p>
-                      <a:pPr algn="l" fontAlgn="ctr"/>
-                      <a:r>
-                        <a:rPr lang="en-US" sz="1000" b="1" i="0" u="none" strike="noStrike" dirty="0">
-                          <a:solidFill>
-                            <a:srgbClr val="000000"/>
-                          </a:solidFill>
-                          <a:effectLst/>
-                          <a:latin typeface="Century Gothic" panose="020B0502020202020204" pitchFamily="34" charset="0"/>
-                        </a:rPr>
-                        <a:t>Avg. Cases Per Line:</a:t>
-                      </a:r>
-                    </a:p>
-                  </a:txBody>
-                  <a:tcPr marL="6350" marR="6350" marT="6350" anchor="ctr"/>
-                </a:tc>
-                <a:tc>
-                  <a:txBody>
-                    <a:bodyPr/>
-                    <a:lstStyle/>
-                    <a:p>
-                      <a:pPr algn="ctr" fontAlgn="ctr"/>
-                      <a:r>
-                        <a:rPr lang="en-US" sz="1100" b="1" i="0" u="none" strike="noStrike">
-                          <a:solidFill>
-                            <a:srgbClr val="000000"/>
-                          </a:solidFill>
-                          <a:effectLst/>
-                          <a:latin typeface="Century Gothic" panose="020B0502020202020204" pitchFamily="34" charset="0"/>
-                        </a:rPr>
-                        <a:t>9</a:t>
-                      </a:r>
-                    </a:p>
-                  </a:txBody>
-                  <a:tcPr marL="6350" marR="6350" marT="6350" anchor="ctr"/>
-                </a:tc>
-                <a:tc>
-                  <a:txBody>
-                    <a:bodyPr/>
-                    <a:lstStyle/>
-                    <a:p>
-                      <a:pPr algn="l" fontAlgn="ctr"/>
-                      <a:r>
-                        <a:rPr lang="en-US" sz="1000" b="1" i="0" u="none" strike="noStrike" dirty="0">
-                          <a:solidFill>
-                            <a:srgbClr val="000000"/>
-                          </a:solidFill>
-                          <a:effectLst/>
-                          <a:latin typeface="Century Gothic" panose="020B0502020202020204" pitchFamily="34" charset="0"/>
-                        </a:rPr>
-                        <a:t>State Avg. Cases Per Line:</a:t>
-                      </a:r>
-                    </a:p>
-                  </a:txBody>
-                  <a:tcPr marL="6350" marR="6350" marT="6350" anchor="ctr"/>
-                </a:tc>
-                <a:tc>
-                  <a:txBody>
-                    <a:bodyPr/>
-                    <a:lstStyle/>
-                    <a:p>
-                      <a:pPr algn="ctr" fontAlgn="ctr"/>
-                      <a:r>
-                        <a:rPr lang="en-US" sz="1100" b="1" i="0" u="none" strike="noStrike">
-                          <a:solidFill>
-                            <a:srgbClr val="000000"/>
-                          </a:solidFill>
-                          <a:effectLst/>
-                          <a:latin typeface="Century Gothic" panose="020B0502020202020204" pitchFamily="34" charset="0"/>
-                        </a:rPr>
-                        <a:t>9</a:t>
-                      </a:r>
-                    </a:p>
-                  </a:txBody>
-                  <a:tcPr marL="6350" marR="6350" marT="6350" anchor="ctr"/>
-                </a:tc>
-                <a:extLst>
-                  <a:ext uri="{0D108BD9-81ED-4DB2-BD59-A6C34878D82A}">
-                    <a16:rowId xmlns:a16="http://schemas.microsoft.com/office/drawing/2014/main" val="3949106260"/>
-                  </a:ext>
-                </a:extLst>
-              </a:tr>
-              <a:tr h="217906">
-                <a:tc>
-                  <a:txBody>
-                    <a:bodyPr/>
-                    <a:lstStyle/>
-                    <a:p>
-                      <a:pPr algn="l" fontAlgn="ctr"/>
-                      <a:r>
-                        <a:rPr lang="en-US" sz="1000" b="1" i="0" u="none" strike="noStrike" dirty="0">
-                          <a:solidFill>
-                            <a:srgbClr val="000000"/>
-                          </a:solidFill>
-                          <a:effectLst/>
-                          <a:latin typeface="Century Gothic" panose="020B0502020202020204" pitchFamily="34" charset="0"/>
-                        </a:rPr>
-                        <a:t>Avg. % Item Spread:</a:t>
-                      </a:r>
-                    </a:p>
-                  </a:txBody>
-                  <a:tcPr marL="6350" marR="6350" marT="6350" anchor="ctr"/>
-                </a:tc>
-                <a:tc>
-                  <a:txBody>
-                    <a:bodyPr/>
-                    <a:lstStyle/>
-                    <a:p>
-                      <a:pPr algn="ctr" fontAlgn="ctr"/>
-                      <a:r>
-                        <a:rPr lang="en-US" sz="1100" b="1" i="0" u="none" strike="noStrike" dirty="0">
-                          <a:solidFill>
-                            <a:srgbClr val="000000"/>
-                          </a:solidFill>
-                          <a:effectLst/>
-                          <a:latin typeface="Century Gothic" panose="020B0502020202020204" pitchFamily="34" charset="0"/>
-                        </a:rPr>
-                        <a:t>4%</a:t>
-                      </a:r>
-                    </a:p>
-                  </a:txBody>
-                  <a:tcPr marL="6350" marR="6350" marT="6350" anchor="ctr"/>
-                </a:tc>
-                <a:tc>
-                  <a:txBody>
-                    <a:bodyPr/>
-                    <a:lstStyle/>
-                    <a:p>
-                      <a:pPr algn="l" fontAlgn="ctr"/>
-                      <a:r>
-                        <a:rPr lang="en-US" sz="1000" b="1" i="0" u="none" strike="noStrike" dirty="0">
-                          <a:solidFill>
-                            <a:srgbClr val="000000"/>
-                          </a:solidFill>
-                          <a:effectLst/>
-                          <a:latin typeface="Century Gothic" panose="020B0502020202020204" pitchFamily="34" charset="0"/>
-                        </a:rPr>
-                        <a:t>State Avg. % Item Spread:</a:t>
-                      </a:r>
-                    </a:p>
-                  </a:txBody>
-                  <a:tcPr marL="6350" marR="6350" marT="6350" anchor="ctr"/>
-                </a:tc>
-                <a:tc>
-                  <a:txBody>
-                    <a:bodyPr/>
-                    <a:lstStyle/>
-                    <a:p>
-                      <a:pPr algn="ctr" fontAlgn="ctr"/>
-                      <a:r>
-                        <a:rPr lang="en-US" sz="1100" b="1" i="0" u="none" strike="noStrike" dirty="0">
-                          <a:solidFill>
-                            <a:srgbClr val="000000"/>
-                          </a:solidFill>
-                          <a:effectLst/>
-                          <a:latin typeface="Century Gothic" panose="020B0502020202020204" pitchFamily="34" charset="0"/>
-                        </a:rPr>
-                        <a:t>4%</a:t>
-                      </a:r>
-                    </a:p>
-                  </a:txBody>
-                  <a:tcPr marL="6350" marR="6350" marT="6350" anchor="ctr"/>
-                </a:tc>
-                <a:extLst>
-                  <a:ext uri="{0D108BD9-81ED-4DB2-BD59-A6C34878D82A}">
-                    <a16:rowId xmlns:a16="http://schemas.microsoft.com/office/drawing/2014/main" val="3674647269"/>
-                  </a:ext>
-                </a:extLst>
-              </a:tr>
-            </a:tbl>
-          </a:graphicData>
-        </a:graphic>
-      </p:graphicFrame>
       <p:pic>
         <p:nvPicPr>
           <p:cNvPr id="2" name="Graphic 1" descr="Truck with solid fill">
@@ -12195,100 +10401,157 @@
           </a:p>
         </p:txBody>
       </p:sp>
+      <p:sp>
+        <p:nvSpPr>
+          <p:cNvPr id="7" name="TextBox 6">
+            <a:extLst>
+              <a:ext uri="{FF2B5EF4-FFF2-40B4-BE49-F238E27FC236}">
+                <a16:creationId xmlns:a16="http://schemas.microsoft.com/office/drawing/2014/main" id="{CBE23B91-E82E-2022-E9B1-C2E432F260A4}"/>
+              </a:ext>
+            </a:extLst>
+          </p:cNvPr>
+          <p:cNvSpPr txBox="1"/>
+          <p:nvPr/>
+        </p:nvSpPr>
+        <p:spPr>
+          <a:xfrm>
+            <a:off x="9918318" y="1312493"/>
+            <a:ext cx="1666327" cy="415498"/>
+          </a:xfrm>
+          <a:prstGeom prst="rect">
+            <a:avLst/>
+          </a:prstGeom>
+          <a:solidFill>
+            <a:schemeClr val="bg1"/>
+          </a:solidFill>
+          <a:ln>
+            <a:solidFill>
+              <a:schemeClr val="accent1">
+                <a:shade val="15000"/>
+              </a:schemeClr>
+            </a:solidFill>
+          </a:ln>
+        </p:spPr>
+        <p:txBody>
+          <a:bodyPr wrap="square" rtlCol="0">
+            <a:spAutoFit/>
+          </a:bodyPr>
+          <a:lstStyle/>
+          <a:p>
+            <a:r>
+              <a:rPr lang="en-US" sz="1050" i="1" dirty="0">
+                <a:latin typeface="Avenir Next Condensed" panose="020B0506020202020204" pitchFamily="34" charset="0"/>
+              </a:rPr>
+              <a:t>Low performing or high performing</a:t>
+            </a:r>
+          </a:p>
+        </p:txBody>
+      </p:sp>
       <p:pic>
         <p:nvPicPr>
-          <p:cNvPr id="9" name="Picture 2">
-            <a:extLst>
-              <a:ext uri="{FF2B5EF4-FFF2-40B4-BE49-F238E27FC236}">
-                <a16:creationId xmlns:a16="http://schemas.microsoft.com/office/drawing/2014/main" id="{ABF11FFA-CCEA-0691-CE28-033890FC017A}"/>
+          <p:cNvPr id="13" name="Picture 12">
+            <a:extLst>
+              <a:ext uri="{FF2B5EF4-FFF2-40B4-BE49-F238E27FC236}">
+                <a16:creationId xmlns:a16="http://schemas.microsoft.com/office/drawing/2014/main" id="{6087537D-0E26-ABE6-A641-30B721B4D0DA}"/>
               </a:ext>
             </a:extLst>
           </p:cNvPr>
           <p:cNvPicPr>
-            <a:picLocks noChangeAspect="1" noChangeArrowheads="1"/>
+            <a:picLocks noChangeAspect="1"/>
           </p:cNvPicPr>
           <p:nvPr/>
         </p:nvPicPr>
         <p:blipFill>
-          <a:blip r:embed="rId7">
-            <a:extLst>
-              <a:ext uri="{28A0092B-C50C-407E-A947-70E740481C1C}">
-                <a14:useLocalDpi xmlns:a14="http://schemas.microsoft.com/office/drawing/2010/main" val="0"/>
-              </a:ext>
-            </a:extLst>
-          </a:blip>
-          <a:srcRect/>
+          <a:blip r:embed="rId7"/>
           <a:stretch>
             <a:fillRect/>
           </a:stretch>
         </p:blipFill>
-        <p:spPr bwMode="auto">
+        <p:spPr>
           <a:xfrm>
-            <a:off x="2419213" y="4460545"/>
-            <a:ext cx="3765641" cy="1879635"/>
+            <a:off x="2032000" y="3308635"/>
+            <a:ext cx="7760334" cy="2340691"/>
+          </a:xfrm>
+          <a:prstGeom prst="rect">
+            <a:avLst/>
+          </a:prstGeom>
+        </p:spPr>
+      </p:pic>
+      <p:sp>
+        <p:nvSpPr>
+          <p:cNvPr id="17" name="Rectangle 16">
+            <a:extLst>
+              <a:ext uri="{FF2B5EF4-FFF2-40B4-BE49-F238E27FC236}">
+                <a16:creationId xmlns:a16="http://schemas.microsoft.com/office/drawing/2014/main" id="{093C06C3-B4AE-2E96-3BF7-19D9A29D31B3}"/>
+              </a:ext>
+            </a:extLst>
+          </p:cNvPr>
+          <p:cNvSpPr/>
+          <p:nvPr/>
+        </p:nvSpPr>
+        <p:spPr>
+          <a:xfrm>
+            <a:off x="1886956" y="2969713"/>
+            <a:ext cx="8031362" cy="3168621"/>
           </a:xfrm>
           <a:prstGeom prst="rect">
             <a:avLst/>
           </a:prstGeom>
           <a:noFill/>
-          <a:extLst>
-            <a:ext uri="{909E8E84-426E-40DD-AFC4-6F175D3DCCD1}">
-              <a14:hiddenFill xmlns:a14="http://schemas.microsoft.com/office/drawing/2010/main">
+          <a:ln>
+            <a:solidFill>
+              <a:srgbClr val="FF0000"/>
+            </a:solidFill>
+          </a:ln>
+        </p:spPr>
+        <p:style>
+          <a:lnRef idx="2">
+            <a:schemeClr val="accent1">
+              <a:shade val="15000"/>
+            </a:schemeClr>
+          </a:lnRef>
+          <a:fillRef idx="1">
+            <a:schemeClr val="accent1"/>
+          </a:fillRef>
+          <a:effectRef idx="0">
+            <a:schemeClr val="accent1"/>
+          </a:effectRef>
+          <a:fontRef idx="minor">
+            <a:schemeClr val="lt1"/>
+          </a:fontRef>
+        </p:style>
+        <p:txBody>
+          <a:bodyPr rtlCol="0" anchor="ctr"/>
+          <a:lstStyle/>
+          <a:p>
+            <a:pPr algn="ctr"/>
+            <a:r>
+              <a:rPr lang="en-US" sz="4000" dirty="0">
                 <a:solidFill>
-                  <a:srgbClr val="FFFFFF"/>
+                  <a:srgbClr val="FF0000"/>
                 </a:solidFill>
-              </a14:hiddenFill>
-            </a:ext>
-          </a:extLst>
-        </p:spPr>
-      </p:pic>
-      <p:pic>
-        <p:nvPicPr>
-          <p:cNvPr id="10" name="Picture 2">
-            <a:extLst>
-              <a:ext uri="{FF2B5EF4-FFF2-40B4-BE49-F238E27FC236}">
-                <a16:creationId xmlns:a16="http://schemas.microsoft.com/office/drawing/2014/main" id="{8771A671-458F-1135-4387-A5C89F9C80D7}"/>
-              </a:ext>
-            </a:extLst>
-          </p:cNvPr>
-          <p:cNvPicPr>
-            <a:picLocks noChangeAspect="1" noChangeArrowheads="1"/>
-          </p:cNvPicPr>
-          <p:nvPr/>
-        </p:nvPicPr>
-        <p:blipFill>
-          <a:blip r:embed="rId8">
-            <a:extLst>
-              <a:ext uri="{28A0092B-C50C-407E-A947-70E740481C1C}">
-                <a14:useLocalDpi xmlns:a14="http://schemas.microsoft.com/office/drawing/2010/main" val="0"/>
-              </a:ext>
-            </a:extLst>
-          </a:blip>
-          <a:srcRect/>
-          <a:stretch>
-            <a:fillRect/>
-          </a:stretch>
-        </p:blipFill>
-        <p:spPr bwMode="auto">
-          <a:xfrm>
-            <a:off x="6302742" y="4460545"/>
-            <a:ext cx="3762328" cy="1866925"/>
-          </a:xfrm>
-          <a:prstGeom prst="rect">
-            <a:avLst/>
-          </a:prstGeom>
-          <a:noFill/>
-          <a:extLst>
-            <a:ext uri="{909E8E84-426E-40DD-AFC4-6F175D3DCCD1}">
-              <a14:hiddenFill xmlns:a14="http://schemas.microsoft.com/office/drawing/2010/main">
+              </a:rPr>
+              <a:t>Highlight red if low performing, for example low dock times. And highlight green for high </a:t>
+            </a:r>
+            <a:r>
+              <a:rPr lang="en-US" sz="4000" dirty="0" err="1">
                 <a:solidFill>
-                  <a:srgbClr val="FFFFFF"/>
+                  <a:srgbClr val="FF0000"/>
                 </a:solidFill>
-              </a14:hiddenFill>
-            </a:ext>
-          </a:extLst>
-        </p:spPr>
-      </p:pic>
+              </a:rPr>
+              <a:t>perfoming</a:t>
+            </a:r>
+            <a:r>
+              <a:rPr lang="en-US" sz="4000" dirty="0">
+                <a:solidFill>
+                  <a:srgbClr val="FF0000"/>
+                </a:solidFill>
+              </a:rPr>
+              <a:t> for example high volume</a:t>
+            </a:r>
+          </a:p>
+        </p:txBody>
+      </p:sp>
     </p:spTree>
     <p:extLst>
       <p:ext uri="{BB962C8B-B14F-4D97-AF65-F5344CB8AC3E}">
